--- a/0PPT/4+1view & UML（缺图版本）.pptx
+++ b/0PPT/4+1view & UML（缺图版本）.pptx
@@ -5,7 +5,7 @@
     <p:sldMasterId id="2147483648" r:id="rId1"/>
   </p:sldMasterIdLst>
   <p:notesMasterIdLst>
-    <p:notesMasterId r:id="rId22"/>
+    <p:notesMasterId r:id="rId23"/>
   </p:notesMasterIdLst>
   <p:sldIdLst>
     <p:sldId id="257" r:id="rId2"/>
@@ -25,9 +25,10 @@
     <p:sldId id="283" r:id="rId16"/>
     <p:sldId id="284" r:id="rId17"/>
     <p:sldId id="285" r:id="rId18"/>
-    <p:sldId id="286" r:id="rId19"/>
-    <p:sldId id="287" r:id="rId20"/>
-    <p:sldId id="267" r:id="rId21"/>
+    <p:sldId id="288" r:id="rId19"/>
+    <p:sldId id="286" r:id="rId20"/>
+    <p:sldId id="287" r:id="rId21"/>
+    <p:sldId id="267" r:id="rId22"/>
   </p:sldIdLst>
   <p:sldSz cx="12192000" cy="6858000"/>
   <p:notesSz cx="6858000" cy="9144000"/>
@@ -175,11 +176,11 @@
         </c:dLbls>
         <c:marker val="1"/>
         <c:smooth val="0"/>
-        <c:axId val="160925968"/>
-        <c:axId val="160928288"/>
+        <c:axId val="1912111024"/>
+        <c:axId val="1954314384"/>
       </c:lineChart>
       <c:catAx>
-        <c:axId val="160925968"/>
+        <c:axId val="1912111024"/>
         <c:scaling>
           <c:orientation val="minMax"/>
         </c:scaling>
@@ -214,7 +215,7 @@
             <a:endParaRPr lang="zh-CN"/>
           </a:p>
         </c:txPr>
-        <c:crossAx val="160928288"/>
+        <c:crossAx val="1954314384"/>
         <c:crosses val="autoZero"/>
         <c:auto val="1"/>
         <c:lblAlgn val="ctr"/>
@@ -222,7 +223,7 @@
         <c:noMultiLvlLbl val="0"/>
       </c:catAx>
       <c:valAx>
-        <c:axId val="160928288"/>
+        <c:axId val="1954314384"/>
         <c:scaling>
           <c:orientation val="minMax"/>
         </c:scaling>
@@ -232,7 +233,7 @@
         <c:majorTickMark val="none"/>
         <c:minorTickMark val="none"/>
         <c:tickLblPos val="nextTo"/>
-        <c:crossAx val="160925968"/>
+        <c:crossAx val="1912111024"/>
         <c:crosses val="autoZero"/>
         <c:crossBetween val="between"/>
       </c:valAx>
@@ -909,7 +910,7 @@
           <a:p>
             <a:fld id="{844F970D-C619-42FD-B107-1A288BF29E58}" type="datetimeFigureOut">
               <a:rPr lang="zh-CN" altLang="en-US" smtClean="0"/>
-              <a:t>2017/12/26</a:t>
+              <a:t>2017/12/27</a:t>
             </a:fld>
             <a:endParaRPr lang="zh-CN" altLang="en-US"/>
           </a:p>
@@ -2159,7 +2160,7 @@
           <a:p>
             <a:fld id="{B097957F-0D44-4A18-829C-722ED7420F7C}" type="datetimeFigureOut">
               <a:rPr lang="zh-CN" altLang="en-US" smtClean="0"/>
-              <a:t>2017/12/26</a:t>
+              <a:t>2017/12/27</a:t>
             </a:fld>
             <a:endParaRPr lang="zh-CN" altLang="en-US"/>
           </a:p>
@@ -5374,17 +5375,7 @@
                     </a:schemeClr>
                   </a:solidFill>
                 </a:rPr>
-                <a:t>顺序</a:t>
-              </a:r>
-              <a:r>
-                <a:rPr lang="zh-CN" altLang="en-US" dirty="0" smtClean="0">
-                  <a:solidFill>
-                    <a:schemeClr val="accent1">
-                      <a:alpha val="57000"/>
-                    </a:schemeClr>
-                  </a:solidFill>
-                </a:rPr>
-                <a:t>图</a:t>
+                <a:t>顺序图</a:t>
               </a:r>
               <a:endParaRPr lang="zh-CN" altLang="en-US" dirty="0">
                 <a:solidFill>
@@ -5751,8 +5742,8 @@
         </p:nvSpPr>
         <p:spPr>
           <a:xfrm>
-            <a:off x="1543694" y="1260633"/>
-            <a:ext cx="2788608" cy="1477328"/>
+            <a:off x="1516094" y="1043256"/>
+            <a:ext cx="8659672" cy="646331"/>
           </a:xfrm>
           <a:prstGeom prst="rect">
             <a:avLst/>
@@ -5792,17 +5783,7 @@
                 <a:latin typeface="微软雅黑 Light" panose="020B0502040204020203" pitchFamily="34" charset="-122"/>
                 <a:ea typeface="微软雅黑 Light" panose="020B0502040204020203" pitchFamily="34" charset="-122"/>
               </a:rPr>
-              <a:t>中，活动图增加了许多新特征，例如用到可以化分成层次，增加丰富的表达能力，在活动图中引入对象等特征</a:t>
-            </a:r>
-            <a:r>
-              <a:rPr lang="zh-CN" altLang="en-US" dirty="0" smtClean="0">
-                <a:solidFill>
-                  <a:srgbClr val="DDCCA4"/>
-                </a:solidFill>
-                <a:latin typeface="微软雅黑 Light" panose="020B0502040204020203" pitchFamily="34" charset="-122"/>
-                <a:ea typeface="微软雅黑 Light" panose="020B0502040204020203" pitchFamily="34" charset="-122"/>
-              </a:rPr>
-              <a:t>。</a:t>
+              <a:t>中，活动图增加了许多新特征，例如用到可以化分成层次，增加丰富的表达能力，在活动图中引入对象等特征。</a:t>
             </a:r>
             <a:endParaRPr lang="zh-CN" altLang="en-US" dirty="0">
               <a:solidFill>
@@ -5911,6 +5892,66 @@
           </p:spPr>
         </p:pic>
       </p:grpSp>
+      <p:pic>
+        <p:nvPicPr>
+          <p:cNvPr id="2" name="图片 1"/>
+          <p:cNvPicPr>
+            <a:picLocks noChangeAspect="1"/>
+          </p:cNvPicPr>
+          <p:nvPr/>
+        </p:nvPicPr>
+        <p:blipFill>
+          <a:blip r:embed="rId3">
+            <a:extLst>
+              <a:ext uri="{28A0092B-C50C-407E-A947-70E740481C1C}">
+                <a14:useLocalDpi xmlns:a14="http://schemas.microsoft.com/office/drawing/2010/main" val="0"/>
+              </a:ext>
+            </a:extLst>
+          </a:blip>
+          <a:stretch>
+            <a:fillRect/>
+          </a:stretch>
+        </p:blipFill>
+        <p:spPr>
+          <a:xfrm>
+            <a:off x="5368877" y="2381121"/>
+            <a:ext cx="6435751" cy="3789839"/>
+          </a:xfrm>
+          <a:prstGeom prst="rect">
+            <a:avLst/>
+          </a:prstGeom>
+        </p:spPr>
+      </p:pic>
+      <p:pic>
+        <p:nvPicPr>
+          <p:cNvPr id="3" name="图片 2"/>
+          <p:cNvPicPr>
+            <a:picLocks noChangeAspect="1"/>
+          </p:cNvPicPr>
+          <p:nvPr/>
+        </p:nvPicPr>
+        <p:blipFill>
+          <a:blip r:embed="rId4">
+            <a:extLst>
+              <a:ext uri="{28A0092B-C50C-407E-A947-70E740481C1C}">
+                <a14:useLocalDpi xmlns:a14="http://schemas.microsoft.com/office/drawing/2010/main" val="0"/>
+              </a:ext>
+            </a:extLst>
+          </a:blip>
+          <a:stretch>
+            <a:fillRect/>
+          </a:stretch>
+        </p:blipFill>
+        <p:spPr>
+          <a:xfrm>
+            <a:off x="618290" y="2099252"/>
+            <a:ext cx="4639416" cy="4353575"/>
+          </a:xfrm>
+          <a:prstGeom prst="rect">
+            <a:avLst/>
+          </a:prstGeom>
+        </p:spPr>
+      </p:pic>
     </p:spTree>
     <p:extLst>
       <p:ext uri="{BB962C8B-B14F-4D97-AF65-F5344CB8AC3E}">
@@ -11074,6 +11115,1340 @@
           </p:nvSpPr>
           <p:spPr>
             <a:xfrm>
+              <a:off x="5618956" y="885917"/>
+              <a:ext cx="954107" cy="461665"/>
+            </a:xfrm>
+            <a:prstGeom prst="rect">
+              <a:avLst/>
+            </a:prstGeom>
+            <a:noFill/>
+          </p:spPr>
+          <p:txBody>
+            <a:bodyPr wrap="none" rtlCol="0">
+              <a:spAutoFit/>
+            </a:bodyPr>
+            <a:lstStyle/>
+            <a:p>
+              <a:pPr algn="ctr"/>
+              <a:r>
+                <a:rPr lang="zh-CN" altLang="en-US" sz="2400" spc="600" dirty="0" smtClean="0">
+                  <a:solidFill>
+                    <a:schemeClr val="accent1"/>
+                  </a:solidFill>
+                  <a:latin typeface="方正清刻本悦宋简体" panose="02000000000000000000" pitchFamily="2" charset="-122"/>
+                  <a:ea typeface="方正清刻本悦宋简体" panose="02000000000000000000" pitchFamily="2" charset="-122"/>
+                </a:rPr>
+                <a:t>提问</a:t>
+              </a:r>
+              <a:endParaRPr lang="zh-CN" altLang="en-US" sz="2400" spc="600" dirty="0">
+                <a:solidFill>
+                  <a:schemeClr val="accent1"/>
+                </a:solidFill>
+                <a:latin typeface="方正清刻本悦宋简体" panose="02000000000000000000" pitchFamily="2" charset="-122"/>
+                <a:ea typeface="方正清刻本悦宋简体" panose="02000000000000000000" pitchFamily="2" charset="-122"/>
+              </a:endParaRPr>
+            </a:p>
+          </p:txBody>
+        </p:sp>
+        <p:pic>
+          <p:nvPicPr>
+            <p:cNvPr id="4" name="图片 3"/>
+            <p:cNvPicPr>
+              <a:picLocks noChangeAspect="1"/>
+            </p:cNvPicPr>
+            <p:nvPr/>
+          </p:nvPicPr>
+          <p:blipFill rotWithShape="1">
+            <a:blip r:embed="rId2" cstate="print">
+              <a:extLst>
+                <a:ext uri="{28A0092B-C50C-407E-A947-70E740481C1C}">
+                  <a14:useLocalDpi xmlns:a14="http://schemas.microsoft.com/office/drawing/2010/main" val="0"/>
+                </a:ext>
+              </a:extLst>
+            </a:blip>
+            <a:srcRect t="1" b="9498"/>
+            <a:stretch>
+              <a:fillRect/>
+            </a:stretch>
+          </p:blipFill>
+          <p:spPr>
+            <a:xfrm>
+              <a:off x="2937998" y="205130"/>
+              <a:ext cx="6316003" cy="325529"/>
+            </a:xfrm>
+            <a:prstGeom prst="rect">
+              <a:avLst/>
+            </a:prstGeom>
+          </p:spPr>
+        </p:pic>
+      </p:grpSp>
+      <p:grpSp>
+        <p:nvGrpSpPr>
+          <p:cNvPr id="24" name="Group 8"/>
+          <p:cNvGrpSpPr>
+            <a:grpSpLocks noChangeAspect="1"/>
+          </p:cNvGrpSpPr>
+          <p:nvPr/>
+        </p:nvGrpSpPr>
+        <p:grpSpPr bwMode="auto">
+          <a:xfrm>
+            <a:off x="1155794" y="1443767"/>
+            <a:ext cx="9701989" cy="286303"/>
+            <a:chOff x="2620" y="2053"/>
+            <a:chExt cx="6913" cy="204"/>
+          </a:xfrm>
+          <a:solidFill>
+            <a:schemeClr val="accent1"/>
+          </a:solidFill>
+        </p:grpSpPr>
+        <p:sp>
+          <p:nvSpPr>
+            <p:cNvPr id="25" name="Freeform 9"/>
+            <p:cNvSpPr/>
+            <p:nvPr/>
+          </p:nvSpPr>
+          <p:spPr bwMode="auto">
+            <a:xfrm>
+              <a:off x="2620" y="2053"/>
+              <a:ext cx="169" cy="204"/>
+            </a:xfrm>
+            <a:custGeom>
+              <a:avLst/>
+              <a:gdLst>
+                <a:gd name="T0" fmla="*/ 0 w 71"/>
+                <a:gd name="T1" fmla="*/ 43 h 83"/>
+                <a:gd name="T2" fmla="*/ 29 w 71"/>
+                <a:gd name="T3" fmla="*/ 36 h 83"/>
+                <a:gd name="T4" fmla="*/ 38 w 71"/>
+                <a:gd name="T5" fmla="*/ 39 h 83"/>
+                <a:gd name="T6" fmla="*/ 34 w 71"/>
+                <a:gd name="T7" fmla="*/ 17 h 83"/>
+                <a:gd name="T8" fmla="*/ 63 w 71"/>
+                <a:gd name="T9" fmla="*/ 8 h 83"/>
+                <a:gd name="T10" fmla="*/ 66 w 71"/>
+                <a:gd name="T11" fmla="*/ 26 h 83"/>
+                <a:gd name="T12" fmla="*/ 63 w 71"/>
+                <a:gd name="T13" fmla="*/ 31 h 83"/>
+                <a:gd name="T14" fmla="*/ 53 w 71"/>
+                <a:gd name="T15" fmla="*/ 32 h 83"/>
+                <a:gd name="T16" fmla="*/ 51 w 71"/>
+                <a:gd name="T17" fmla="*/ 23 h 83"/>
+                <a:gd name="T18" fmla="*/ 61 w 71"/>
+                <a:gd name="T19" fmla="*/ 21 h 83"/>
+                <a:gd name="T20" fmla="*/ 64 w 71"/>
+                <a:gd name="T21" fmla="*/ 23 h 83"/>
+                <a:gd name="T22" fmla="*/ 56 w 71"/>
+                <a:gd name="T23" fmla="*/ 8 h 83"/>
+                <a:gd name="T24" fmla="*/ 36 w 71"/>
+                <a:gd name="T25" fmla="*/ 21 h 83"/>
+                <a:gd name="T26" fmla="*/ 49 w 71"/>
+                <a:gd name="T27" fmla="*/ 41 h 83"/>
+                <a:gd name="T28" fmla="*/ 55 w 71"/>
+                <a:gd name="T29" fmla="*/ 42 h 83"/>
+                <a:gd name="T30" fmla="*/ 55 w 71"/>
+                <a:gd name="T31" fmla="*/ 44 h 83"/>
+                <a:gd name="T32" fmla="*/ 48 w 71"/>
+                <a:gd name="T33" fmla="*/ 46 h 83"/>
+                <a:gd name="T34" fmla="*/ 36 w 71"/>
+                <a:gd name="T35" fmla="*/ 65 h 83"/>
+                <a:gd name="T36" fmla="*/ 53 w 71"/>
+                <a:gd name="T37" fmla="*/ 80 h 83"/>
+                <a:gd name="T38" fmla="*/ 64 w 71"/>
+                <a:gd name="T39" fmla="*/ 64 h 83"/>
+                <a:gd name="T40" fmla="*/ 61 w 71"/>
+                <a:gd name="T41" fmla="*/ 66 h 83"/>
+                <a:gd name="T42" fmla="*/ 51 w 71"/>
+                <a:gd name="T43" fmla="*/ 64 h 83"/>
+                <a:gd name="T44" fmla="*/ 53 w 71"/>
+                <a:gd name="T45" fmla="*/ 55 h 83"/>
+                <a:gd name="T46" fmla="*/ 63 w 71"/>
+                <a:gd name="T47" fmla="*/ 56 h 83"/>
+                <a:gd name="T48" fmla="*/ 67 w 71"/>
+                <a:gd name="T49" fmla="*/ 74 h 83"/>
+                <a:gd name="T50" fmla="*/ 51 w 71"/>
+                <a:gd name="T51" fmla="*/ 83 h 83"/>
+                <a:gd name="T52" fmla="*/ 35 w 71"/>
+                <a:gd name="T53" fmla="*/ 72 h 83"/>
+                <a:gd name="T54" fmla="*/ 39 w 71"/>
+                <a:gd name="T55" fmla="*/ 48 h 83"/>
+                <a:gd name="T56" fmla="*/ 28 w 71"/>
+                <a:gd name="T57" fmla="*/ 52 h 83"/>
+                <a:gd name="T58" fmla="*/ 4 w 71"/>
+                <a:gd name="T59" fmla="*/ 47 h 83"/>
+                <a:gd name="T60" fmla="*/ 0 w 71"/>
+                <a:gd name="T61" fmla="*/ 44 h 83"/>
+                <a:gd name="T62" fmla="*/ 0 w 71"/>
+                <a:gd name="T63" fmla="*/ 43 h 83"/>
+              </a:gdLst>
+              <a:ahLst/>
+              <a:cxnLst>
+                <a:cxn ang="0">
+                  <a:pos x="T0" y="T1"/>
+                </a:cxn>
+                <a:cxn ang="0">
+                  <a:pos x="T2" y="T3"/>
+                </a:cxn>
+                <a:cxn ang="0">
+                  <a:pos x="T4" y="T5"/>
+                </a:cxn>
+                <a:cxn ang="0">
+                  <a:pos x="T6" y="T7"/>
+                </a:cxn>
+                <a:cxn ang="0">
+                  <a:pos x="T8" y="T9"/>
+                </a:cxn>
+                <a:cxn ang="0">
+                  <a:pos x="T10" y="T11"/>
+                </a:cxn>
+                <a:cxn ang="0">
+                  <a:pos x="T12" y="T13"/>
+                </a:cxn>
+                <a:cxn ang="0">
+                  <a:pos x="T14" y="T15"/>
+                </a:cxn>
+                <a:cxn ang="0">
+                  <a:pos x="T16" y="T17"/>
+                </a:cxn>
+                <a:cxn ang="0">
+                  <a:pos x="T18" y="T19"/>
+                </a:cxn>
+                <a:cxn ang="0">
+                  <a:pos x="T20" y="T21"/>
+                </a:cxn>
+                <a:cxn ang="0">
+                  <a:pos x="T22" y="T23"/>
+                </a:cxn>
+                <a:cxn ang="0">
+                  <a:pos x="T24" y="T25"/>
+                </a:cxn>
+                <a:cxn ang="0">
+                  <a:pos x="T26" y="T27"/>
+                </a:cxn>
+                <a:cxn ang="0">
+                  <a:pos x="T28" y="T29"/>
+                </a:cxn>
+                <a:cxn ang="0">
+                  <a:pos x="T30" y="T31"/>
+                </a:cxn>
+                <a:cxn ang="0">
+                  <a:pos x="T32" y="T33"/>
+                </a:cxn>
+                <a:cxn ang="0">
+                  <a:pos x="T34" y="T35"/>
+                </a:cxn>
+                <a:cxn ang="0">
+                  <a:pos x="T36" y="T37"/>
+                </a:cxn>
+                <a:cxn ang="0">
+                  <a:pos x="T38" y="T39"/>
+                </a:cxn>
+                <a:cxn ang="0">
+                  <a:pos x="T40" y="T41"/>
+                </a:cxn>
+                <a:cxn ang="0">
+                  <a:pos x="T42" y="T43"/>
+                </a:cxn>
+                <a:cxn ang="0">
+                  <a:pos x="T44" y="T45"/>
+                </a:cxn>
+                <a:cxn ang="0">
+                  <a:pos x="T46" y="T47"/>
+                </a:cxn>
+                <a:cxn ang="0">
+                  <a:pos x="T48" y="T49"/>
+                </a:cxn>
+                <a:cxn ang="0">
+                  <a:pos x="T50" y="T51"/>
+                </a:cxn>
+                <a:cxn ang="0">
+                  <a:pos x="T52" y="T53"/>
+                </a:cxn>
+                <a:cxn ang="0">
+                  <a:pos x="T54" y="T55"/>
+                </a:cxn>
+                <a:cxn ang="0">
+                  <a:pos x="T56" y="T57"/>
+                </a:cxn>
+                <a:cxn ang="0">
+                  <a:pos x="T58" y="T59"/>
+                </a:cxn>
+                <a:cxn ang="0">
+                  <a:pos x="T60" y="T61"/>
+                </a:cxn>
+                <a:cxn ang="0">
+                  <a:pos x="T62" y="T63"/>
+                </a:cxn>
+              </a:cxnLst>
+              <a:rect l="0" t="0" r="r" b="b"/>
+              <a:pathLst>
+                <a:path w="71" h="83">
+                  <a:moveTo>
+                    <a:pt x="0" y="43"/>
+                  </a:moveTo>
+                  <a:cubicBezTo>
+                    <a:pt x="9" y="37"/>
+                    <a:pt x="18" y="32"/>
+                    <a:pt x="29" y="36"/>
+                  </a:cubicBezTo>
+                  <a:cubicBezTo>
+                    <a:pt x="32" y="36"/>
+                    <a:pt x="35" y="38"/>
+                    <a:pt x="38" y="39"/>
+                  </a:cubicBezTo>
+                  <a:cubicBezTo>
+                    <a:pt x="33" y="32"/>
+                    <a:pt x="31" y="25"/>
+                    <a:pt x="34" y="17"/>
+                  </a:cubicBezTo>
+                  <a:cubicBezTo>
+                    <a:pt x="38" y="5"/>
+                    <a:pt x="53" y="0"/>
+                    <a:pt x="63" y="8"/>
+                  </a:cubicBezTo>
+                  <a:cubicBezTo>
+                    <a:pt x="69" y="13"/>
+                    <a:pt x="70" y="20"/>
+                    <a:pt x="66" y="26"/>
+                  </a:cubicBezTo>
+                  <a:cubicBezTo>
+                    <a:pt x="65" y="28"/>
+                    <a:pt x="64" y="29"/>
+                    <a:pt x="63" y="31"/>
+                  </a:cubicBezTo>
+                  <a:cubicBezTo>
+                    <a:pt x="60" y="34"/>
+                    <a:pt x="56" y="35"/>
+                    <a:pt x="53" y="32"/>
+                  </a:cubicBezTo>
+                  <a:cubicBezTo>
+                    <a:pt x="50" y="30"/>
+                    <a:pt x="49" y="26"/>
+                    <a:pt x="51" y="23"/>
+                  </a:cubicBezTo>
+                  <a:cubicBezTo>
+                    <a:pt x="53" y="20"/>
+                    <a:pt x="57" y="19"/>
+                    <a:pt x="61" y="21"/>
+                  </a:cubicBezTo>
+                  <a:cubicBezTo>
+                    <a:pt x="62" y="21"/>
+                    <a:pt x="63" y="22"/>
+                    <a:pt x="64" y="23"/>
+                  </a:cubicBezTo>
+                  <a:cubicBezTo>
+                    <a:pt x="67" y="16"/>
+                    <a:pt x="63" y="10"/>
+                    <a:pt x="56" y="8"/>
+                  </a:cubicBezTo>
+                  <a:cubicBezTo>
+                    <a:pt x="47" y="5"/>
+                    <a:pt x="38" y="11"/>
+                    <a:pt x="36" y="21"/>
+                  </a:cubicBezTo>
+                  <a:cubicBezTo>
+                    <a:pt x="34" y="31"/>
+                    <a:pt x="39" y="40"/>
+                    <a:pt x="49" y="41"/>
+                  </a:cubicBezTo>
+                  <a:cubicBezTo>
+                    <a:pt x="51" y="42"/>
+                    <a:pt x="53" y="42"/>
+                    <a:pt x="55" y="42"/>
+                  </a:cubicBezTo>
+                  <a:cubicBezTo>
+                    <a:pt x="55" y="43"/>
+                    <a:pt x="55" y="43"/>
+                    <a:pt x="55" y="44"/>
+                  </a:cubicBezTo>
+                  <a:cubicBezTo>
+                    <a:pt x="53" y="45"/>
+                    <a:pt x="50" y="45"/>
+                    <a:pt x="48" y="46"/>
+                  </a:cubicBezTo>
+                  <a:cubicBezTo>
+                    <a:pt x="39" y="48"/>
+                    <a:pt x="34" y="55"/>
+                    <a:pt x="36" y="65"/>
+                  </a:cubicBezTo>
+                  <a:cubicBezTo>
+                    <a:pt x="37" y="74"/>
+                    <a:pt x="44" y="80"/>
+                    <a:pt x="53" y="80"/>
+                  </a:cubicBezTo>
+                  <a:cubicBezTo>
+                    <a:pt x="62" y="79"/>
+                    <a:pt x="68" y="70"/>
+                    <a:pt x="64" y="64"/>
+                  </a:cubicBezTo>
+                  <a:cubicBezTo>
+                    <a:pt x="63" y="65"/>
+                    <a:pt x="62" y="66"/>
+                    <a:pt x="61" y="66"/>
+                  </a:cubicBezTo>
+                  <a:cubicBezTo>
+                    <a:pt x="58" y="68"/>
+                    <a:pt x="53" y="67"/>
+                    <a:pt x="51" y="64"/>
+                  </a:cubicBezTo>
+                  <a:cubicBezTo>
+                    <a:pt x="49" y="61"/>
+                    <a:pt x="50" y="57"/>
+                    <a:pt x="53" y="55"/>
+                  </a:cubicBezTo>
+                  <a:cubicBezTo>
+                    <a:pt x="55" y="53"/>
+                    <a:pt x="60" y="53"/>
+                    <a:pt x="63" y="56"/>
+                  </a:cubicBezTo>
+                  <a:cubicBezTo>
+                    <a:pt x="67" y="61"/>
+                    <a:pt x="71" y="66"/>
+                    <a:pt x="67" y="74"/>
+                  </a:cubicBezTo>
+                  <a:cubicBezTo>
+                    <a:pt x="64" y="80"/>
+                    <a:pt x="58" y="83"/>
+                    <a:pt x="51" y="83"/>
+                  </a:cubicBezTo>
+                  <a:cubicBezTo>
+                    <a:pt x="43" y="83"/>
+                    <a:pt x="38" y="79"/>
+                    <a:pt x="35" y="72"/>
+                  </a:cubicBezTo>
+                  <a:cubicBezTo>
+                    <a:pt x="31" y="63"/>
+                    <a:pt x="32" y="55"/>
+                    <a:pt x="39" y="48"/>
+                  </a:cubicBezTo>
+                  <a:cubicBezTo>
+                    <a:pt x="35" y="49"/>
+                    <a:pt x="32" y="51"/>
+                    <a:pt x="28" y="52"/>
+                  </a:cubicBezTo>
+                  <a:cubicBezTo>
+                    <a:pt x="19" y="54"/>
+                    <a:pt x="11" y="51"/>
+                    <a:pt x="4" y="47"/>
+                  </a:cubicBezTo>
+                  <a:cubicBezTo>
+                    <a:pt x="3" y="46"/>
+                    <a:pt x="1" y="45"/>
+                    <a:pt x="0" y="44"/>
+                  </a:cubicBezTo>
+                  <a:cubicBezTo>
+                    <a:pt x="0" y="44"/>
+                    <a:pt x="0" y="44"/>
+                    <a:pt x="0" y="43"/>
+                  </a:cubicBezTo>
+                  <a:close/>
+                </a:path>
+              </a:pathLst>
+            </a:custGeom>
+            <a:grpFill/>
+            <a:ln>
+              <a:noFill/>
+            </a:ln>
+            <a:extLst>
+              <a:ext uri="{91240B29-F687-4F45-9708-019B960494DF}">
+                <a14:hiddenLine xmlns:a14="http://schemas.microsoft.com/office/drawing/2010/main" w="9525">
+                  <a:solidFill>
+                    <a:srgbClr val="000000"/>
+                  </a:solidFill>
+                  <a:round/>
+                </a14:hiddenLine>
+              </a:ext>
+            </a:extLst>
+          </p:spPr>
+          <p:txBody>
+            <a:bodyPr vert="horz" wrap="square" lIns="91440" tIns="45720" rIns="91440" bIns="45720" numCol="1" anchor="t" anchorCtr="0" compatLnSpc="1"/>
+            <a:lstStyle/>
+            <a:p>
+              <a:endParaRPr lang="zh-CN" altLang="en-US"/>
+            </a:p>
+          </p:txBody>
+        </p:sp>
+        <p:sp>
+          <p:nvSpPr>
+            <p:cNvPr id="26" name="Freeform 10"/>
+            <p:cNvSpPr/>
+            <p:nvPr/>
+          </p:nvSpPr>
+          <p:spPr bwMode="auto">
+            <a:xfrm flipV="1">
+              <a:off x="2780" y="2138"/>
+              <a:ext cx="6593" cy="33"/>
+            </a:xfrm>
+            <a:custGeom>
+              <a:avLst/>
+              <a:gdLst>
+                <a:gd name="T0" fmla="*/ 25 w 910"/>
+                <a:gd name="T1" fmla="*/ 0 h 13"/>
+                <a:gd name="T2" fmla="*/ 114 w 910"/>
+                <a:gd name="T3" fmla="*/ 4 h 13"/>
+                <a:gd name="T4" fmla="*/ 147 w 910"/>
+                <a:gd name="T5" fmla="*/ 5 h 13"/>
+                <a:gd name="T6" fmla="*/ 744 w 910"/>
+                <a:gd name="T7" fmla="*/ 5 h 13"/>
+                <a:gd name="T8" fmla="*/ 862 w 910"/>
+                <a:gd name="T9" fmla="*/ 1 h 13"/>
+                <a:gd name="T10" fmla="*/ 902 w 910"/>
+                <a:gd name="T11" fmla="*/ 0 h 13"/>
+                <a:gd name="T12" fmla="*/ 910 w 910"/>
+                <a:gd name="T13" fmla="*/ 7 h 13"/>
+                <a:gd name="T14" fmla="*/ 902 w 910"/>
+                <a:gd name="T15" fmla="*/ 13 h 13"/>
+                <a:gd name="T16" fmla="*/ 812 w 910"/>
+                <a:gd name="T17" fmla="*/ 10 h 13"/>
+                <a:gd name="T18" fmla="*/ 699 w 910"/>
+                <a:gd name="T19" fmla="*/ 8 h 13"/>
+                <a:gd name="T20" fmla="*/ 334 w 910"/>
+                <a:gd name="T21" fmla="*/ 8 h 13"/>
+                <a:gd name="T22" fmla="*/ 50 w 910"/>
+                <a:gd name="T23" fmla="*/ 12 h 13"/>
+                <a:gd name="T24" fmla="*/ 9 w 910"/>
+                <a:gd name="T25" fmla="*/ 13 h 13"/>
+                <a:gd name="T26" fmla="*/ 1 w 910"/>
+                <a:gd name="T27" fmla="*/ 6 h 13"/>
+                <a:gd name="T28" fmla="*/ 8 w 910"/>
+                <a:gd name="T29" fmla="*/ 0 h 13"/>
+                <a:gd name="T30" fmla="*/ 25 w 910"/>
+                <a:gd name="T31" fmla="*/ 0 h 13"/>
+              </a:gdLst>
+              <a:ahLst/>
+              <a:cxnLst>
+                <a:cxn ang="0">
+                  <a:pos x="T0" y="T1"/>
+                </a:cxn>
+                <a:cxn ang="0">
+                  <a:pos x="T2" y="T3"/>
+                </a:cxn>
+                <a:cxn ang="0">
+                  <a:pos x="T4" y="T5"/>
+                </a:cxn>
+                <a:cxn ang="0">
+                  <a:pos x="T6" y="T7"/>
+                </a:cxn>
+                <a:cxn ang="0">
+                  <a:pos x="T8" y="T9"/>
+                </a:cxn>
+                <a:cxn ang="0">
+                  <a:pos x="T10" y="T11"/>
+                </a:cxn>
+                <a:cxn ang="0">
+                  <a:pos x="T12" y="T13"/>
+                </a:cxn>
+                <a:cxn ang="0">
+                  <a:pos x="T14" y="T15"/>
+                </a:cxn>
+                <a:cxn ang="0">
+                  <a:pos x="T16" y="T17"/>
+                </a:cxn>
+                <a:cxn ang="0">
+                  <a:pos x="T18" y="T19"/>
+                </a:cxn>
+                <a:cxn ang="0">
+                  <a:pos x="T20" y="T21"/>
+                </a:cxn>
+                <a:cxn ang="0">
+                  <a:pos x="T22" y="T23"/>
+                </a:cxn>
+                <a:cxn ang="0">
+                  <a:pos x="T24" y="T25"/>
+                </a:cxn>
+                <a:cxn ang="0">
+                  <a:pos x="T26" y="T27"/>
+                </a:cxn>
+                <a:cxn ang="0">
+                  <a:pos x="T28" y="T29"/>
+                </a:cxn>
+                <a:cxn ang="0">
+                  <a:pos x="T30" y="T31"/>
+                </a:cxn>
+              </a:cxnLst>
+              <a:rect l="0" t="0" r="r" b="b"/>
+              <a:pathLst>
+                <a:path w="910" h="13">
+                  <a:moveTo>
+                    <a:pt x="25" y="0"/>
+                  </a:moveTo>
+                  <a:cubicBezTo>
+                    <a:pt x="55" y="1"/>
+                    <a:pt x="84" y="3"/>
+                    <a:pt x="114" y="4"/>
+                  </a:cubicBezTo>
+                  <a:cubicBezTo>
+                    <a:pt x="125" y="4"/>
+                    <a:pt x="136" y="5"/>
+                    <a:pt x="147" y="5"/>
+                  </a:cubicBezTo>
+                  <a:cubicBezTo>
+                    <a:pt x="346" y="5"/>
+                    <a:pt x="545" y="5"/>
+                    <a:pt x="744" y="5"/>
+                  </a:cubicBezTo>
+                  <a:cubicBezTo>
+                    <a:pt x="783" y="5"/>
+                    <a:pt x="822" y="2"/>
+                    <a:pt x="862" y="1"/>
+                  </a:cubicBezTo>
+                  <a:cubicBezTo>
+                    <a:pt x="875" y="0"/>
+                    <a:pt x="889" y="0"/>
+                    <a:pt x="902" y="0"/>
+                  </a:cubicBezTo>
+                  <a:cubicBezTo>
+                    <a:pt x="907" y="0"/>
+                    <a:pt x="910" y="2"/>
+                    <a:pt x="910" y="7"/>
+                  </a:cubicBezTo>
+                  <a:cubicBezTo>
+                    <a:pt x="910" y="11"/>
+                    <a:pt x="907" y="13"/>
+                    <a:pt x="902" y="13"/>
+                  </a:cubicBezTo>
+                  <a:cubicBezTo>
+                    <a:pt x="872" y="12"/>
+                    <a:pt x="842" y="11"/>
+                    <a:pt x="812" y="10"/>
+                  </a:cubicBezTo>
+                  <a:cubicBezTo>
+                    <a:pt x="775" y="9"/>
+                    <a:pt x="737" y="8"/>
+                    <a:pt x="699" y="8"/>
+                  </a:cubicBezTo>
+                  <a:cubicBezTo>
+                    <a:pt x="578" y="8"/>
+                    <a:pt x="456" y="8"/>
+                    <a:pt x="334" y="8"/>
+                  </a:cubicBezTo>
+                  <a:cubicBezTo>
+                    <a:pt x="240" y="9"/>
+                    <a:pt x="145" y="6"/>
+                    <a:pt x="50" y="12"/>
+                  </a:cubicBezTo>
+                  <a:cubicBezTo>
+                    <a:pt x="36" y="13"/>
+                    <a:pt x="23" y="13"/>
+                    <a:pt x="9" y="13"/>
+                  </a:cubicBezTo>
+                  <a:cubicBezTo>
+                    <a:pt x="4" y="13"/>
+                    <a:pt x="0" y="10"/>
+                    <a:pt x="1" y="6"/>
+                  </a:cubicBezTo>
+                  <a:cubicBezTo>
+                    <a:pt x="1" y="2"/>
+                    <a:pt x="3" y="0"/>
+                    <a:pt x="8" y="0"/>
+                  </a:cubicBezTo>
+                  <a:cubicBezTo>
+                    <a:pt x="14" y="0"/>
+                    <a:pt x="20" y="0"/>
+                    <a:pt x="25" y="0"/>
+                  </a:cubicBezTo>
+                  <a:close/>
+                </a:path>
+              </a:pathLst>
+            </a:custGeom>
+            <a:grpFill/>
+            <a:ln>
+              <a:noFill/>
+            </a:ln>
+            <a:extLst>
+              <a:ext uri="{91240B29-F687-4F45-9708-019B960494DF}">
+                <a14:hiddenLine xmlns:a14="http://schemas.microsoft.com/office/drawing/2010/main" w="9525">
+                  <a:solidFill>
+                    <a:srgbClr val="000000"/>
+                  </a:solidFill>
+                  <a:round/>
+                </a14:hiddenLine>
+              </a:ext>
+            </a:extLst>
+          </p:spPr>
+          <p:txBody>
+            <a:bodyPr vert="horz" wrap="square" lIns="91440" tIns="45720" rIns="91440" bIns="45720" numCol="1" anchor="t" anchorCtr="0" compatLnSpc="1"/>
+            <a:lstStyle/>
+            <a:p>
+              <a:endParaRPr lang="zh-CN" altLang="en-US"/>
+            </a:p>
+          </p:txBody>
+        </p:sp>
+        <p:sp>
+          <p:nvSpPr>
+            <p:cNvPr id="27" name="Freeform 11"/>
+            <p:cNvSpPr/>
+            <p:nvPr/>
+          </p:nvSpPr>
+          <p:spPr bwMode="auto">
+            <a:xfrm>
+              <a:off x="9365" y="2055"/>
+              <a:ext cx="168" cy="199"/>
+            </a:xfrm>
+            <a:custGeom>
+              <a:avLst/>
+              <a:gdLst>
+                <a:gd name="T0" fmla="*/ 17 w 71"/>
+                <a:gd name="T1" fmla="*/ 40 h 81"/>
+                <a:gd name="T2" fmla="*/ 23 w 71"/>
+                <a:gd name="T3" fmla="*/ 38 h 81"/>
+                <a:gd name="T4" fmla="*/ 35 w 71"/>
+                <a:gd name="T5" fmla="*/ 16 h 81"/>
+                <a:gd name="T6" fmla="*/ 15 w 71"/>
+                <a:gd name="T7" fmla="*/ 5 h 81"/>
+                <a:gd name="T8" fmla="*/ 8 w 71"/>
+                <a:gd name="T9" fmla="*/ 20 h 81"/>
+                <a:gd name="T10" fmla="*/ 10 w 71"/>
+                <a:gd name="T11" fmla="*/ 18 h 81"/>
+                <a:gd name="T12" fmla="*/ 20 w 71"/>
+                <a:gd name="T13" fmla="*/ 20 h 81"/>
+                <a:gd name="T14" fmla="*/ 19 w 71"/>
+                <a:gd name="T15" fmla="*/ 29 h 81"/>
+                <a:gd name="T16" fmla="*/ 9 w 71"/>
+                <a:gd name="T17" fmla="*/ 28 h 81"/>
+                <a:gd name="T18" fmla="*/ 5 w 71"/>
+                <a:gd name="T19" fmla="*/ 9 h 81"/>
+                <a:gd name="T20" fmla="*/ 23 w 71"/>
+                <a:gd name="T21" fmla="*/ 1 h 81"/>
+                <a:gd name="T22" fmla="*/ 38 w 71"/>
+                <a:gd name="T23" fmla="*/ 16 h 81"/>
+                <a:gd name="T24" fmla="*/ 34 w 71"/>
+                <a:gd name="T25" fmla="*/ 36 h 81"/>
+                <a:gd name="T26" fmla="*/ 71 w 71"/>
+                <a:gd name="T27" fmla="*/ 40 h 81"/>
+                <a:gd name="T28" fmla="*/ 33 w 71"/>
+                <a:gd name="T29" fmla="*/ 45 h 81"/>
+                <a:gd name="T30" fmla="*/ 38 w 71"/>
+                <a:gd name="T31" fmla="*/ 64 h 81"/>
+                <a:gd name="T32" fmla="*/ 27 w 71"/>
+                <a:gd name="T33" fmla="*/ 79 h 81"/>
+                <a:gd name="T34" fmla="*/ 8 w 71"/>
+                <a:gd name="T35" fmla="*/ 76 h 81"/>
+                <a:gd name="T36" fmla="*/ 5 w 71"/>
+                <a:gd name="T37" fmla="*/ 58 h 81"/>
+                <a:gd name="T38" fmla="*/ 8 w 71"/>
+                <a:gd name="T39" fmla="*/ 54 h 81"/>
+                <a:gd name="T40" fmla="*/ 18 w 71"/>
+                <a:gd name="T41" fmla="*/ 52 h 81"/>
+                <a:gd name="T42" fmla="*/ 20 w 71"/>
+                <a:gd name="T43" fmla="*/ 62 h 81"/>
+                <a:gd name="T44" fmla="*/ 9 w 71"/>
+                <a:gd name="T45" fmla="*/ 62 h 81"/>
+                <a:gd name="T46" fmla="*/ 8 w 71"/>
+                <a:gd name="T47" fmla="*/ 60 h 81"/>
+                <a:gd name="T48" fmla="*/ 13 w 71"/>
+                <a:gd name="T49" fmla="*/ 76 h 81"/>
+                <a:gd name="T50" fmla="*/ 36 w 71"/>
+                <a:gd name="T51" fmla="*/ 63 h 81"/>
+                <a:gd name="T52" fmla="*/ 21 w 71"/>
+                <a:gd name="T53" fmla="*/ 42 h 81"/>
+                <a:gd name="T54" fmla="*/ 17 w 71"/>
+                <a:gd name="T55" fmla="*/ 41 h 81"/>
+                <a:gd name="T56" fmla="*/ 17 w 71"/>
+                <a:gd name="T57" fmla="*/ 40 h 81"/>
+              </a:gdLst>
+              <a:ahLst/>
+              <a:cxnLst>
+                <a:cxn ang="0">
+                  <a:pos x="T0" y="T1"/>
+                </a:cxn>
+                <a:cxn ang="0">
+                  <a:pos x="T2" y="T3"/>
+                </a:cxn>
+                <a:cxn ang="0">
+                  <a:pos x="T4" y="T5"/>
+                </a:cxn>
+                <a:cxn ang="0">
+                  <a:pos x="T6" y="T7"/>
+                </a:cxn>
+                <a:cxn ang="0">
+                  <a:pos x="T8" y="T9"/>
+                </a:cxn>
+                <a:cxn ang="0">
+                  <a:pos x="T10" y="T11"/>
+                </a:cxn>
+                <a:cxn ang="0">
+                  <a:pos x="T12" y="T13"/>
+                </a:cxn>
+                <a:cxn ang="0">
+                  <a:pos x="T14" y="T15"/>
+                </a:cxn>
+                <a:cxn ang="0">
+                  <a:pos x="T16" y="T17"/>
+                </a:cxn>
+                <a:cxn ang="0">
+                  <a:pos x="T18" y="T19"/>
+                </a:cxn>
+                <a:cxn ang="0">
+                  <a:pos x="T20" y="T21"/>
+                </a:cxn>
+                <a:cxn ang="0">
+                  <a:pos x="T22" y="T23"/>
+                </a:cxn>
+                <a:cxn ang="0">
+                  <a:pos x="T24" y="T25"/>
+                </a:cxn>
+                <a:cxn ang="0">
+                  <a:pos x="T26" y="T27"/>
+                </a:cxn>
+                <a:cxn ang="0">
+                  <a:pos x="T28" y="T29"/>
+                </a:cxn>
+                <a:cxn ang="0">
+                  <a:pos x="T30" y="T31"/>
+                </a:cxn>
+                <a:cxn ang="0">
+                  <a:pos x="T32" y="T33"/>
+                </a:cxn>
+                <a:cxn ang="0">
+                  <a:pos x="T34" y="T35"/>
+                </a:cxn>
+                <a:cxn ang="0">
+                  <a:pos x="T36" y="T37"/>
+                </a:cxn>
+                <a:cxn ang="0">
+                  <a:pos x="T38" y="T39"/>
+                </a:cxn>
+                <a:cxn ang="0">
+                  <a:pos x="T40" y="T41"/>
+                </a:cxn>
+                <a:cxn ang="0">
+                  <a:pos x="T42" y="T43"/>
+                </a:cxn>
+                <a:cxn ang="0">
+                  <a:pos x="T44" y="T45"/>
+                </a:cxn>
+                <a:cxn ang="0">
+                  <a:pos x="T46" y="T47"/>
+                </a:cxn>
+                <a:cxn ang="0">
+                  <a:pos x="T48" y="T49"/>
+                </a:cxn>
+                <a:cxn ang="0">
+                  <a:pos x="T50" y="T51"/>
+                </a:cxn>
+                <a:cxn ang="0">
+                  <a:pos x="T52" y="T53"/>
+                </a:cxn>
+                <a:cxn ang="0">
+                  <a:pos x="T54" y="T55"/>
+                </a:cxn>
+                <a:cxn ang="0">
+                  <a:pos x="T56" y="T57"/>
+                </a:cxn>
+              </a:cxnLst>
+              <a:rect l="0" t="0" r="r" b="b"/>
+              <a:pathLst>
+                <a:path w="71" h="81">
+                  <a:moveTo>
+                    <a:pt x="17" y="40"/>
+                  </a:moveTo>
+                  <a:cubicBezTo>
+                    <a:pt x="19" y="39"/>
+                    <a:pt x="21" y="39"/>
+                    <a:pt x="23" y="38"/>
+                  </a:cubicBezTo>
+                  <a:cubicBezTo>
+                    <a:pt x="35" y="36"/>
+                    <a:pt x="37" y="26"/>
+                    <a:pt x="35" y="16"/>
+                  </a:cubicBezTo>
+                  <a:cubicBezTo>
+                    <a:pt x="34" y="7"/>
+                    <a:pt x="23" y="2"/>
+                    <a:pt x="15" y="5"/>
+                  </a:cubicBezTo>
+                  <a:cubicBezTo>
+                    <a:pt x="8" y="7"/>
+                    <a:pt x="5" y="14"/>
+                    <a:pt x="8" y="20"/>
+                  </a:cubicBezTo>
+                  <a:cubicBezTo>
+                    <a:pt x="9" y="19"/>
+                    <a:pt x="9" y="18"/>
+                    <a:pt x="10" y="18"/>
+                  </a:cubicBezTo>
+                  <a:cubicBezTo>
+                    <a:pt x="14" y="16"/>
+                    <a:pt x="18" y="17"/>
+                    <a:pt x="20" y="20"/>
+                  </a:cubicBezTo>
+                  <a:cubicBezTo>
+                    <a:pt x="22" y="23"/>
+                    <a:pt x="21" y="27"/>
+                    <a:pt x="19" y="29"/>
+                  </a:cubicBezTo>
+                  <a:cubicBezTo>
+                    <a:pt x="16" y="32"/>
+                    <a:pt x="11" y="31"/>
+                    <a:pt x="9" y="28"/>
+                  </a:cubicBezTo>
+                  <a:cubicBezTo>
+                    <a:pt x="5" y="22"/>
+                    <a:pt x="0" y="17"/>
+                    <a:pt x="5" y="9"/>
+                  </a:cubicBezTo>
+                  <a:cubicBezTo>
+                    <a:pt x="8" y="4"/>
+                    <a:pt x="16" y="0"/>
+                    <a:pt x="23" y="1"/>
+                  </a:cubicBezTo>
+                  <a:cubicBezTo>
+                    <a:pt x="31" y="3"/>
+                    <a:pt x="37" y="9"/>
+                    <a:pt x="38" y="16"/>
+                  </a:cubicBezTo>
+                  <a:cubicBezTo>
+                    <a:pt x="40" y="23"/>
+                    <a:pt x="39" y="26"/>
+                    <a:pt x="34" y="36"/>
+                  </a:cubicBezTo>
+                  <a:cubicBezTo>
+                    <a:pt x="47" y="28"/>
+                    <a:pt x="59" y="31"/>
+                    <a:pt x="71" y="40"/>
+                  </a:cubicBezTo>
+                  <a:cubicBezTo>
+                    <a:pt x="63" y="49"/>
+                    <a:pt x="51" y="51"/>
+                    <a:pt x="33" y="45"/>
+                  </a:cubicBezTo>
+                  <a:cubicBezTo>
+                    <a:pt x="38" y="51"/>
+                    <a:pt x="40" y="57"/>
+                    <a:pt x="38" y="64"/>
+                  </a:cubicBezTo>
+                  <a:cubicBezTo>
+                    <a:pt x="37" y="71"/>
+                    <a:pt x="33" y="76"/>
+                    <a:pt x="27" y="79"/>
+                  </a:cubicBezTo>
+                  <a:cubicBezTo>
+                    <a:pt x="20" y="81"/>
+                    <a:pt x="14" y="80"/>
+                    <a:pt x="8" y="76"/>
+                  </a:cubicBezTo>
+                  <a:cubicBezTo>
+                    <a:pt x="2" y="71"/>
+                    <a:pt x="1" y="64"/>
+                    <a:pt x="5" y="58"/>
+                  </a:cubicBezTo>
+                  <a:cubicBezTo>
+                    <a:pt x="6" y="57"/>
+                    <a:pt x="7" y="55"/>
+                    <a:pt x="8" y="54"/>
+                  </a:cubicBezTo>
+                  <a:cubicBezTo>
+                    <a:pt x="11" y="50"/>
+                    <a:pt x="15" y="49"/>
+                    <a:pt x="18" y="52"/>
+                  </a:cubicBezTo>
+                  <a:cubicBezTo>
+                    <a:pt x="22" y="54"/>
+                    <a:pt x="22" y="59"/>
+                    <a:pt x="20" y="62"/>
+                  </a:cubicBezTo>
+                  <a:cubicBezTo>
+                    <a:pt x="17" y="65"/>
+                    <a:pt x="13" y="65"/>
+                    <a:pt x="9" y="62"/>
+                  </a:cubicBezTo>
+                  <a:cubicBezTo>
+                    <a:pt x="9" y="62"/>
+                    <a:pt x="9" y="61"/>
+                    <a:pt x="8" y="60"/>
+                  </a:cubicBezTo>
+                  <a:cubicBezTo>
+                    <a:pt x="5" y="67"/>
+                    <a:pt x="7" y="73"/>
+                    <a:pt x="13" y="76"/>
+                  </a:cubicBezTo>
+                  <a:cubicBezTo>
+                    <a:pt x="23" y="80"/>
+                    <a:pt x="34" y="73"/>
+                    <a:pt x="36" y="63"/>
+                  </a:cubicBezTo>
+                  <a:cubicBezTo>
+                    <a:pt x="37" y="51"/>
+                    <a:pt x="32" y="44"/>
+                    <a:pt x="21" y="42"/>
+                  </a:cubicBezTo>
+                  <a:cubicBezTo>
+                    <a:pt x="19" y="42"/>
+                    <a:pt x="18" y="42"/>
+                    <a:pt x="17" y="41"/>
+                  </a:cubicBezTo>
+                  <a:cubicBezTo>
+                    <a:pt x="17" y="41"/>
+                    <a:pt x="17" y="40"/>
+                    <a:pt x="17" y="40"/>
+                  </a:cubicBezTo>
+                  <a:close/>
+                </a:path>
+              </a:pathLst>
+            </a:custGeom>
+            <a:grpFill/>
+            <a:ln>
+              <a:noFill/>
+            </a:ln>
+            <a:extLst>
+              <a:ext uri="{91240B29-F687-4F45-9708-019B960494DF}">
+                <a14:hiddenLine xmlns:a14="http://schemas.microsoft.com/office/drawing/2010/main" w="9525">
+                  <a:solidFill>
+                    <a:srgbClr val="000000"/>
+                  </a:solidFill>
+                  <a:round/>
+                </a14:hiddenLine>
+              </a:ext>
+            </a:extLst>
+          </p:spPr>
+          <p:txBody>
+            <a:bodyPr vert="horz" wrap="square" lIns="91440" tIns="45720" rIns="91440" bIns="45720" numCol="1" anchor="t" anchorCtr="0" compatLnSpc="1"/>
+            <a:lstStyle/>
+            <a:p>
+              <a:endParaRPr lang="zh-CN" altLang="en-US"/>
+            </a:p>
+          </p:txBody>
+        </p:sp>
+      </p:grpSp>
+      <p:sp>
+        <p:nvSpPr>
+          <p:cNvPr id="11" name="淘宝店chenying0907 22"/>
+          <p:cNvSpPr/>
+          <p:nvPr/>
+        </p:nvSpPr>
+        <p:spPr>
+          <a:xfrm>
+            <a:off x="1675829" y="2264151"/>
+            <a:ext cx="8159546" cy="461665"/>
+          </a:xfrm>
+          <a:prstGeom prst="rect">
+            <a:avLst/>
+          </a:prstGeom>
+        </p:spPr>
+        <p:txBody>
+          <a:bodyPr wrap="square">
+            <a:spAutoFit/>
+          </a:bodyPr>
+          <a:lstStyle/>
+          <a:p>
+            <a:pPr algn="ctr"/>
+            <a:r>
+              <a:rPr lang="en-US" altLang="zh-CN" sz="2400" dirty="0" smtClean="0">
+                <a:solidFill>
+                  <a:srgbClr val="B8A78D"/>
+                </a:solidFill>
+                <a:latin typeface="微软雅黑 Light" panose="020B0502040204020203" pitchFamily="34" charset="-122"/>
+                <a:ea typeface="微软雅黑 Light" panose="020B0502040204020203" pitchFamily="34" charset="-122"/>
+              </a:rPr>
+              <a:t>1.</a:t>
+            </a:r>
+            <a:r>
+              <a:rPr lang="zh-CN" altLang="en-US" sz="2400" dirty="0" smtClean="0">
+                <a:solidFill>
+                  <a:srgbClr val="B8A78D"/>
+                </a:solidFill>
+                <a:latin typeface="微软雅黑 Light" panose="020B0502040204020203" pitchFamily="34" charset="-122"/>
+                <a:ea typeface="微软雅黑 Light" panose="020B0502040204020203" pitchFamily="34" charset="-122"/>
+              </a:rPr>
+              <a:t>“</a:t>
+            </a:r>
+            <a:r>
+              <a:rPr lang="en-US" altLang="zh-CN" sz="2400" dirty="0" smtClean="0">
+                <a:solidFill>
+                  <a:srgbClr val="B8A78D"/>
+                </a:solidFill>
+                <a:latin typeface="微软雅黑 Light" panose="020B0502040204020203" pitchFamily="34" charset="-122"/>
+                <a:ea typeface="微软雅黑 Light" panose="020B0502040204020203" pitchFamily="34" charset="-122"/>
+              </a:rPr>
+              <a:t>4+1</a:t>
+            </a:r>
+            <a:r>
+              <a:rPr lang="zh-CN" altLang="en-US" sz="2400" dirty="0" smtClean="0">
+                <a:solidFill>
+                  <a:srgbClr val="B8A78D"/>
+                </a:solidFill>
+                <a:latin typeface="微软雅黑 Light" panose="020B0502040204020203" pitchFamily="34" charset="-122"/>
+                <a:ea typeface="微软雅黑 Light" panose="020B0502040204020203" pitchFamily="34" charset="-122"/>
+              </a:rPr>
+              <a:t>”</a:t>
+            </a:r>
+            <a:r>
+              <a:rPr lang="zh-CN" altLang="en-US" sz="2400" dirty="0" smtClean="0">
+                <a:solidFill>
+                  <a:srgbClr val="B8A78D"/>
+                </a:solidFill>
+                <a:latin typeface="微软雅黑 Light" panose="020B0502040204020203" pitchFamily="34" charset="-122"/>
+                <a:ea typeface="微软雅黑 Light" panose="020B0502040204020203" pitchFamily="34" charset="-122"/>
+              </a:rPr>
+              <a:t>视图</a:t>
+            </a:r>
+            <a:r>
+              <a:rPr lang="zh-CN" altLang="en-US" sz="2400" dirty="0" smtClean="0">
+                <a:solidFill>
+                  <a:srgbClr val="B8A78D"/>
+                </a:solidFill>
+                <a:latin typeface="微软雅黑 Light" panose="020B0502040204020203" pitchFamily="34" charset="-122"/>
+                <a:ea typeface="微软雅黑 Light" panose="020B0502040204020203" pitchFamily="34" charset="-122"/>
+              </a:rPr>
+              <a:t>模型分别是那几个视图</a:t>
+            </a:r>
+            <a:r>
+              <a:rPr lang="en-US" altLang="zh-CN" sz="2400" dirty="0">
+                <a:solidFill>
+                  <a:srgbClr val="B8A78D"/>
+                </a:solidFill>
+                <a:latin typeface="微软雅黑 Light" panose="020B0502040204020203" pitchFamily="34" charset="-122"/>
+                <a:ea typeface="微软雅黑 Light" panose="020B0502040204020203" pitchFamily="34" charset="-122"/>
+              </a:rPr>
+              <a:t>?</a:t>
+            </a:r>
+            <a:endParaRPr lang="en-US" altLang="zh-CN" sz="2400" dirty="0" smtClean="0">
+              <a:solidFill>
+                <a:srgbClr val="B8A78D"/>
+              </a:solidFill>
+              <a:latin typeface="微软雅黑 Light" panose="020B0502040204020203" pitchFamily="34" charset="-122"/>
+              <a:ea typeface="微软雅黑 Light" panose="020B0502040204020203" pitchFamily="34" charset="-122"/>
+            </a:endParaRPr>
+          </a:p>
+        </p:txBody>
+      </p:sp>
+      <p:sp>
+        <p:nvSpPr>
+          <p:cNvPr id="12" name="淘宝店chenying0907 22"/>
+          <p:cNvSpPr/>
+          <p:nvPr/>
+        </p:nvSpPr>
+        <p:spPr>
+          <a:xfrm>
+            <a:off x="1094455" y="3140131"/>
+            <a:ext cx="8159546" cy="461665"/>
+          </a:xfrm>
+          <a:prstGeom prst="rect">
+            <a:avLst/>
+          </a:prstGeom>
+        </p:spPr>
+        <p:txBody>
+          <a:bodyPr wrap="square">
+            <a:spAutoFit/>
+          </a:bodyPr>
+          <a:lstStyle/>
+          <a:p>
+            <a:pPr algn="ctr"/>
+            <a:r>
+              <a:rPr lang="en-US" altLang="zh-CN" sz="2400" dirty="0" smtClean="0">
+                <a:solidFill>
+                  <a:srgbClr val="B8A78D"/>
+                </a:solidFill>
+                <a:latin typeface="微软雅黑 Light" panose="020B0502040204020203" pitchFamily="34" charset="-122"/>
+                <a:ea typeface="微软雅黑 Light" panose="020B0502040204020203" pitchFamily="34" charset="-122"/>
+              </a:rPr>
+              <a:t>2.UML2.0</a:t>
+            </a:r>
+            <a:r>
+              <a:rPr lang="zh-CN" altLang="en-US" sz="2400" dirty="0" smtClean="0">
+                <a:solidFill>
+                  <a:srgbClr val="B8A78D"/>
+                </a:solidFill>
+                <a:latin typeface="微软雅黑 Light" panose="020B0502040204020203" pitchFamily="34" charset="-122"/>
+                <a:ea typeface="微软雅黑 Light" panose="020B0502040204020203" pitchFamily="34" charset="-122"/>
+              </a:rPr>
+              <a:t>新增了哪些图？</a:t>
+            </a:r>
+            <a:endParaRPr lang="en-US" altLang="zh-CN" sz="2400" dirty="0" smtClean="0">
+              <a:solidFill>
+                <a:srgbClr val="B8A78D"/>
+              </a:solidFill>
+              <a:latin typeface="微软雅黑 Light" panose="020B0502040204020203" pitchFamily="34" charset="-122"/>
+              <a:ea typeface="微软雅黑 Light" panose="020B0502040204020203" pitchFamily="34" charset="-122"/>
+            </a:endParaRPr>
+          </a:p>
+        </p:txBody>
+      </p:sp>
+    </p:spTree>
+    <p:extLst>
+      <p:ext uri="{BB962C8B-B14F-4D97-AF65-F5344CB8AC3E}">
+        <p14:creationId xmlns:p14="http://schemas.microsoft.com/office/powerpoint/2010/main" val="1124993048"/>
+      </p:ext>
+    </p:extLst>
+  </p:cSld>
+  <p:clrMapOvr>
+    <a:masterClrMapping/>
+  </p:clrMapOvr>
+  <p:transition>
+    <p:fade/>
+  </p:transition>
+  <p:timing>
+    <p:tnLst>
+      <p:par>
+        <p:cTn id="1" dur="indefinite" restart="never" nodeType="tmRoot">
+          <p:childTnLst>
+            <p:seq concurrent="1" nextAc="seek">
+              <p:cTn id="2" dur="indefinite" nodeType="mainSeq">
+                <p:childTnLst>
+                  <p:par>
+                    <p:cTn id="3" fill="hold">
+                      <p:stCondLst>
+                        <p:cond delay="indefinite"/>
+                        <p:cond evt="onBegin" delay="0">
+                          <p:tn val="2"/>
+                        </p:cond>
+                      </p:stCondLst>
+                      <p:childTnLst>
+                        <p:par>
+                          <p:cTn id="4" fill="hold">
+                            <p:stCondLst>
+                              <p:cond delay="0"/>
+                            </p:stCondLst>
+                            <p:childTnLst>
+                              <p:par>
+                                <p:cTn id="5" presetID="16" presetClass="entr" presetSubtype="37" fill="hold" nodeType="withEffect">
+                                  <p:stCondLst>
+                                    <p:cond delay="0"/>
+                                  </p:stCondLst>
+                                  <p:childTnLst>
+                                    <p:set>
+                                      <p:cBhvr>
+                                        <p:cTn id="6" dur="1" fill="hold">
+                                          <p:stCondLst>
+                                            <p:cond delay="0"/>
+                                          </p:stCondLst>
+                                        </p:cTn>
+                                        <p:tgtEl>
+                                          <p:spTgt spid="2"/>
+                                        </p:tgtEl>
+                                        <p:attrNameLst>
+                                          <p:attrName>style.visibility</p:attrName>
+                                        </p:attrNameLst>
+                                      </p:cBhvr>
+                                      <p:to>
+                                        <p:strVal val="visible"/>
+                                      </p:to>
+                                    </p:set>
+                                    <p:animEffect transition="in" filter="barn(outVertical)">
+                                      <p:cBhvr>
+                                        <p:cTn id="7" dur="500"/>
+                                        <p:tgtEl>
+                                          <p:spTgt spid="2"/>
+                                        </p:tgtEl>
+                                      </p:cBhvr>
+                                    </p:animEffect>
+                                  </p:childTnLst>
+                                </p:cTn>
+                              </p:par>
+                            </p:childTnLst>
+                          </p:cTn>
+                        </p:par>
+                        <p:par>
+                          <p:cTn id="8" fill="hold">
+                            <p:stCondLst>
+                              <p:cond delay="500"/>
+                            </p:stCondLst>
+                            <p:childTnLst>
+                              <p:par>
+                                <p:cTn id="9" presetID="22" presetClass="entr" presetSubtype="8" fill="hold" nodeType="afterEffect">
+                                  <p:stCondLst>
+                                    <p:cond delay="0"/>
+                                  </p:stCondLst>
+                                  <p:childTnLst>
+                                    <p:set>
+                                      <p:cBhvr>
+                                        <p:cTn id="10" dur="1" fill="hold">
+                                          <p:stCondLst>
+                                            <p:cond delay="0"/>
+                                          </p:stCondLst>
+                                        </p:cTn>
+                                        <p:tgtEl>
+                                          <p:spTgt spid="24"/>
+                                        </p:tgtEl>
+                                        <p:attrNameLst>
+                                          <p:attrName>style.visibility</p:attrName>
+                                        </p:attrNameLst>
+                                      </p:cBhvr>
+                                      <p:to>
+                                        <p:strVal val="visible"/>
+                                      </p:to>
+                                    </p:set>
+                                    <p:animEffect transition="in" filter="wipe(left)">
+                                      <p:cBhvr>
+                                        <p:cTn id="11" dur="500"/>
+                                        <p:tgtEl>
+                                          <p:spTgt spid="24"/>
+                                        </p:tgtEl>
+                                      </p:cBhvr>
+                                    </p:animEffect>
+                                  </p:childTnLst>
+                                </p:cTn>
+                              </p:par>
+                            </p:childTnLst>
+                          </p:cTn>
+                        </p:par>
+                      </p:childTnLst>
+                    </p:cTn>
+                  </p:par>
+                </p:childTnLst>
+              </p:cTn>
+              <p:prevCondLst>
+                <p:cond evt="onPrev" delay="0">
+                  <p:tgtEl>
+                    <p:sldTgt/>
+                  </p:tgtEl>
+                </p:cond>
+              </p:prevCondLst>
+              <p:nextCondLst>
+                <p:cond evt="onNext" delay="0">
+                  <p:tgtEl>
+                    <p:sldTgt/>
+                  </p:tgtEl>
+                </p:cond>
+              </p:nextCondLst>
+            </p:seq>
+          </p:childTnLst>
+        </p:cTn>
+      </p:par>
+    </p:tnLst>
+  </p:timing>
+</p:sld>
+</file>
+
+<file path=ppt/slides/slide19.xml><?xml version="1.0" encoding="utf-8"?>
+<p:sld xmlns:a="http://schemas.openxmlformats.org/drawingml/2006/main" xmlns:r="http://schemas.openxmlformats.org/officeDocument/2006/relationships" xmlns:p="http://schemas.openxmlformats.org/presentationml/2006/main">
+  <p:cSld>
+    <p:spTree>
+      <p:nvGrpSpPr>
+        <p:cNvPr id="1" name=""/>
+        <p:cNvGrpSpPr/>
+        <p:nvPr/>
+      </p:nvGrpSpPr>
+      <p:grpSpPr>
+        <a:xfrm>
+          <a:off x="0" y="0"/>
+          <a:ext cx="0" cy="0"/>
+          <a:chOff x="0" y="0"/>
+          <a:chExt cx="0" cy="0"/>
+        </a:xfrm>
+      </p:grpSpPr>
+      <p:grpSp>
+        <p:nvGrpSpPr>
+          <p:cNvPr id="2" name="淘宝店chenying0907 1"/>
+          <p:cNvGrpSpPr/>
+          <p:nvPr/>
+        </p:nvGrpSpPr>
+        <p:grpSpPr>
+          <a:xfrm>
+            <a:off x="2937998" y="205130"/>
+            <a:ext cx="6316003" cy="1142452"/>
+            <a:chOff x="2937998" y="205130"/>
+            <a:chExt cx="6316003" cy="1142452"/>
+          </a:xfrm>
+        </p:grpSpPr>
+        <p:sp>
+          <p:nvSpPr>
+            <p:cNvPr id="5" name="文本框 4"/>
+            <p:cNvSpPr txBox="1"/>
+            <p:nvPr/>
+          </p:nvSpPr>
+          <p:spPr>
+            <a:xfrm>
               <a:off x="5234234" y="885917"/>
               <a:ext cx="1723549" cy="461665"/>
             </a:xfrm>
@@ -12257,1423 +13632,6 @@
     <p:extLst>
       <p:ext uri="{BB962C8B-B14F-4D97-AF65-F5344CB8AC3E}">
         <p14:creationId xmlns:p14="http://schemas.microsoft.com/office/powerpoint/2010/main" val="507074500"/>
-      </p:ext>
-    </p:extLst>
-  </p:cSld>
-  <p:clrMapOvr>
-    <a:masterClrMapping/>
-  </p:clrMapOvr>
-  <p:transition>
-    <p:fade/>
-  </p:transition>
-  <p:timing>
-    <p:tnLst>
-      <p:par>
-        <p:cTn id="1" dur="indefinite" restart="never" nodeType="tmRoot">
-          <p:childTnLst>
-            <p:seq concurrent="1" nextAc="seek">
-              <p:cTn id="2" dur="indefinite" nodeType="mainSeq">
-                <p:childTnLst>
-                  <p:par>
-                    <p:cTn id="3" fill="hold">
-                      <p:stCondLst>
-                        <p:cond delay="indefinite"/>
-                        <p:cond evt="onBegin" delay="0">
-                          <p:tn val="2"/>
-                        </p:cond>
-                      </p:stCondLst>
-                      <p:childTnLst>
-                        <p:par>
-                          <p:cTn id="4" fill="hold">
-                            <p:stCondLst>
-                              <p:cond delay="0"/>
-                            </p:stCondLst>
-                            <p:childTnLst>
-                              <p:par>
-                                <p:cTn id="5" presetID="16" presetClass="entr" presetSubtype="37" fill="hold" nodeType="withEffect">
-                                  <p:stCondLst>
-                                    <p:cond delay="0"/>
-                                  </p:stCondLst>
-                                  <p:childTnLst>
-                                    <p:set>
-                                      <p:cBhvr>
-                                        <p:cTn id="6" dur="1" fill="hold">
-                                          <p:stCondLst>
-                                            <p:cond delay="0"/>
-                                          </p:stCondLst>
-                                        </p:cTn>
-                                        <p:tgtEl>
-                                          <p:spTgt spid="2"/>
-                                        </p:tgtEl>
-                                        <p:attrNameLst>
-                                          <p:attrName>style.visibility</p:attrName>
-                                        </p:attrNameLst>
-                                      </p:cBhvr>
-                                      <p:to>
-                                        <p:strVal val="visible"/>
-                                      </p:to>
-                                    </p:set>
-                                    <p:animEffect transition="in" filter="barn(outVertical)">
-                                      <p:cBhvr>
-                                        <p:cTn id="7" dur="500"/>
-                                        <p:tgtEl>
-                                          <p:spTgt spid="2"/>
-                                        </p:tgtEl>
-                                      </p:cBhvr>
-                                    </p:animEffect>
-                                  </p:childTnLst>
-                                </p:cTn>
-                              </p:par>
-                            </p:childTnLst>
-                          </p:cTn>
-                        </p:par>
-                        <p:par>
-                          <p:cTn id="8" fill="hold">
-                            <p:stCondLst>
-                              <p:cond delay="500"/>
-                            </p:stCondLst>
-                            <p:childTnLst>
-                              <p:par>
-                                <p:cTn id="9" presetID="22" presetClass="entr" presetSubtype="8" fill="hold" nodeType="afterEffect">
-                                  <p:stCondLst>
-                                    <p:cond delay="0"/>
-                                  </p:stCondLst>
-                                  <p:childTnLst>
-                                    <p:set>
-                                      <p:cBhvr>
-                                        <p:cTn id="10" dur="1" fill="hold">
-                                          <p:stCondLst>
-                                            <p:cond delay="0"/>
-                                          </p:stCondLst>
-                                        </p:cTn>
-                                        <p:tgtEl>
-                                          <p:spTgt spid="24"/>
-                                        </p:tgtEl>
-                                        <p:attrNameLst>
-                                          <p:attrName>style.visibility</p:attrName>
-                                        </p:attrNameLst>
-                                      </p:cBhvr>
-                                      <p:to>
-                                        <p:strVal val="visible"/>
-                                      </p:to>
-                                    </p:set>
-                                    <p:animEffect transition="in" filter="wipe(left)">
-                                      <p:cBhvr>
-                                        <p:cTn id="11" dur="500"/>
-                                        <p:tgtEl>
-                                          <p:spTgt spid="24"/>
-                                        </p:tgtEl>
-                                      </p:cBhvr>
-                                    </p:animEffect>
-                                  </p:childTnLst>
-                                </p:cTn>
-                              </p:par>
-                            </p:childTnLst>
-                          </p:cTn>
-                        </p:par>
-                      </p:childTnLst>
-                    </p:cTn>
-                  </p:par>
-                </p:childTnLst>
-              </p:cTn>
-              <p:prevCondLst>
-                <p:cond evt="onPrev" delay="0">
-                  <p:tgtEl>
-                    <p:sldTgt/>
-                  </p:tgtEl>
-                </p:cond>
-              </p:prevCondLst>
-              <p:nextCondLst>
-                <p:cond evt="onNext" delay="0">
-                  <p:tgtEl>
-                    <p:sldTgt/>
-                  </p:tgtEl>
-                </p:cond>
-              </p:nextCondLst>
-            </p:seq>
-          </p:childTnLst>
-        </p:cTn>
-      </p:par>
-    </p:tnLst>
-  </p:timing>
-</p:sld>
-</file>
-
-<file path=ppt/slides/slide19.xml><?xml version="1.0" encoding="utf-8"?>
-<p:sld xmlns:a="http://schemas.openxmlformats.org/drawingml/2006/main" xmlns:r="http://schemas.openxmlformats.org/officeDocument/2006/relationships" xmlns:p="http://schemas.openxmlformats.org/presentationml/2006/main">
-  <p:cSld>
-    <p:spTree>
-      <p:nvGrpSpPr>
-        <p:cNvPr id="1" name=""/>
-        <p:cNvGrpSpPr/>
-        <p:nvPr/>
-      </p:nvGrpSpPr>
-      <p:grpSpPr>
-        <a:xfrm>
-          <a:off x="0" y="0"/>
-          <a:ext cx="0" cy="0"/>
-          <a:chOff x="0" y="0"/>
-          <a:chExt cx="0" cy="0"/>
-        </a:xfrm>
-      </p:grpSpPr>
-      <p:grpSp>
-        <p:nvGrpSpPr>
-          <p:cNvPr id="2" name="淘宝店chenying0907 1"/>
-          <p:cNvGrpSpPr/>
-          <p:nvPr/>
-        </p:nvGrpSpPr>
-        <p:grpSpPr>
-          <a:xfrm>
-            <a:off x="2937998" y="205130"/>
-            <a:ext cx="6316003" cy="1142452"/>
-            <a:chOff x="2937998" y="205130"/>
-            <a:chExt cx="6316003" cy="1142452"/>
-          </a:xfrm>
-        </p:grpSpPr>
-        <p:sp>
-          <p:nvSpPr>
-            <p:cNvPr id="5" name="文本框 4"/>
-            <p:cNvSpPr txBox="1"/>
-            <p:nvPr/>
-          </p:nvSpPr>
-          <p:spPr>
-            <a:xfrm>
-              <a:off x="5618957" y="885917"/>
-              <a:ext cx="954107" cy="461665"/>
-            </a:xfrm>
-            <a:prstGeom prst="rect">
-              <a:avLst/>
-            </a:prstGeom>
-            <a:noFill/>
-          </p:spPr>
-          <p:txBody>
-            <a:bodyPr wrap="none" rtlCol="0">
-              <a:spAutoFit/>
-            </a:bodyPr>
-            <a:lstStyle/>
-            <a:p>
-              <a:pPr algn="ctr"/>
-              <a:r>
-                <a:rPr lang="zh-CN" altLang="en-US" sz="2400" spc="600" dirty="0" smtClean="0">
-                  <a:solidFill>
-                    <a:schemeClr val="accent1"/>
-                  </a:solidFill>
-                  <a:latin typeface="方正清刻本悦宋简体" panose="02000000000000000000" pitchFamily="2" charset="-122"/>
-                  <a:ea typeface="方正清刻本悦宋简体" panose="02000000000000000000" pitchFamily="2" charset="-122"/>
-                </a:rPr>
-                <a:t>分工</a:t>
-              </a:r>
-              <a:endParaRPr lang="zh-CN" altLang="en-US" sz="2400" spc="600" dirty="0">
-                <a:solidFill>
-                  <a:schemeClr val="accent1"/>
-                </a:solidFill>
-                <a:latin typeface="方正清刻本悦宋简体" panose="02000000000000000000" pitchFamily="2" charset="-122"/>
-                <a:ea typeface="方正清刻本悦宋简体" panose="02000000000000000000" pitchFamily="2" charset="-122"/>
-              </a:endParaRPr>
-            </a:p>
-          </p:txBody>
-        </p:sp>
-        <p:pic>
-          <p:nvPicPr>
-            <p:cNvPr id="4" name="图片 3"/>
-            <p:cNvPicPr>
-              <a:picLocks noChangeAspect="1"/>
-            </p:cNvPicPr>
-            <p:nvPr/>
-          </p:nvPicPr>
-          <p:blipFill rotWithShape="1">
-            <a:blip r:embed="rId2" cstate="print">
-              <a:extLst>
-                <a:ext uri="{28A0092B-C50C-407E-A947-70E740481C1C}">
-                  <a14:useLocalDpi xmlns:a14="http://schemas.microsoft.com/office/drawing/2010/main" val="0"/>
-                </a:ext>
-              </a:extLst>
-            </a:blip>
-            <a:srcRect t="1" b="9498"/>
-            <a:stretch>
-              <a:fillRect/>
-            </a:stretch>
-          </p:blipFill>
-          <p:spPr>
-            <a:xfrm>
-              <a:off x="2937998" y="205130"/>
-              <a:ext cx="6316003" cy="325529"/>
-            </a:xfrm>
-            <a:prstGeom prst="rect">
-              <a:avLst/>
-            </a:prstGeom>
-          </p:spPr>
-        </p:pic>
-      </p:grpSp>
-      <p:grpSp>
-        <p:nvGrpSpPr>
-          <p:cNvPr id="24" name="Group 8"/>
-          <p:cNvGrpSpPr>
-            <a:grpSpLocks noChangeAspect="1"/>
-          </p:cNvGrpSpPr>
-          <p:nvPr/>
-        </p:nvGrpSpPr>
-        <p:grpSpPr bwMode="auto">
-          <a:xfrm>
-            <a:off x="1155794" y="1443767"/>
-            <a:ext cx="9701989" cy="286303"/>
-            <a:chOff x="2620" y="2053"/>
-            <a:chExt cx="6913" cy="204"/>
-          </a:xfrm>
-          <a:solidFill>
-            <a:schemeClr val="accent1"/>
-          </a:solidFill>
-        </p:grpSpPr>
-        <p:sp>
-          <p:nvSpPr>
-            <p:cNvPr id="25" name="Freeform 9"/>
-            <p:cNvSpPr/>
-            <p:nvPr/>
-          </p:nvSpPr>
-          <p:spPr bwMode="auto">
-            <a:xfrm>
-              <a:off x="2620" y="2053"/>
-              <a:ext cx="169" cy="204"/>
-            </a:xfrm>
-            <a:custGeom>
-              <a:avLst/>
-              <a:gdLst>
-                <a:gd name="T0" fmla="*/ 0 w 71"/>
-                <a:gd name="T1" fmla="*/ 43 h 83"/>
-                <a:gd name="T2" fmla="*/ 29 w 71"/>
-                <a:gd name="T3" fmla="*/ 36 h 83"/>
-                <a:gd name="T4" fmla="*/ 38 w 71"/>
-                <a:gd name="T5" fmla="*/ 39 h 83"/>
-                <a:gd name="T6" fmla="*/ 34 w 71"/>
-                <a:gd name="T7" fmla="*/ 17 h 83"/>
-                <a:gd name="T8" fmla="*/ 63 w 71"/>
-                <a:gd name="T9" fmla="*/ 8 h 83"/>
-                <a:gd name="T10" fmla="*/ 66 w 71"/>
-                <a:gd name="T11" fmla="*/ 26 h 83"/>
-                <a:gd name="T12" fmla="*/ 63 w 71"/>
-                <a:gd name="T13" fmla="*/ 31 h 83"/>
-                <a:gd name="T14" fmla="*/ 53 w 71"/>
-                <a:gd name="T15" fmla="*/ 32 h 83"/>
-                <a:gd name="T16" fmla="*/ 51 w 71"/>
-                <a:gd name="T17" fmla="*/ 23 h 83"/>
-                <a:gd name="T18" fmla="*/ 61 w 71"/>
-                <a:gd name="T19" fmla="*/ 21 h 83"/>
-                <a:gd name="T20" fmla="*/ 64 w 71"/>
-                <a:gd name="T21" fmla="*/ 23 h 83"/>
-                <a:gd name="T22" fmla="*/ 56 w 71"/>
-                <a:gd name="T23" fmla="*/ 8 h 83"/>
-                <a:gd name="T24" fmla="*/ 36 w 71"/>
-                <a:gd name="T25" fmla="*/ 21 h 83"/>
-                <a:gd name="T26" fmla="*/ 49 w 71"/>
-                <a:gd name="T27" fmla="*/ 41 h 83"/>
-                <a:gd name="T28" fmla="*/ 55 w 71"/>
-                <a:gd name="T29" fmla="*/ 42 h 83"/>
-                <a:gd name="T30" fmla="*/ 55 w 71"/>
-                <a:gd name="T31" fmla="*/ 44 h 83"/>
-                <a:gd name="T32" fmla="*/ 48 w 71"/>
-                <a:gd name="T33" fmla="*/ 46 h 83"/>
-                <a:gd name="T34" fmla="*/ 36 w 71"/>
-                <a:gd name="T35" fmla="*/ 65 h 83"/>
-                <a:gd name="T36" fmla="*/ 53 w 71"/>
-                <a:gd name="T37" fmla="*/ 80 h 83"/>
-                <a:gd name="T38" fmla="*/ 64 w 71"/>
-                <a:gd name="T39" fmla="*/ 64 h 83"/>
-                <a:gd name="T40" fmla="*/ 61 w 71"/>
-                <a:gd name="T41" fmla="*/ 66 h 83"/>
-                <a:gd name="T42" fmla="*/ 51 w 71"/>
-                <a:gd name="T43" fmla="*/ 64 h 83"/>
-                <a:gd name="T44" fmla="*/ 53 w 71"/>
-                <a:gd name="T45" fmla="*/ 55 h 83"/>
-                <a:gd name="T46" fmla="*/ 63 w 71"/>
-                <a:gd name="T47" fmla="*/ 56 h 83"/>
-                <a:gd name="T48" fmla="*/ 67 w 71"/>
-                <a:gd name="T49" fmla="*/ 74 h 83"/>
-                <a:gd name="T50" fmla="*/ 51 w 71"/>
-                <a:gd name="T51" fmla="*/ 83 h 83"/>
-                <a:gd name="T52" fmla="*/ 35 w 71"/>
-                <a:gd name="T53" fmla="*/ 72 h 83"/>
-                <a:gd name="T54" fmla="*/ 39 w 71"/>
-                <a:gd name="T55" fmla="*/ 48 h 83"/>
-                <a:gd name="T56" fmla="*/ 28 w 71"/>
-                <a:gd name="T57" fmla="*/ 52 h 83"/>
-                <a:gd name="T58" fmla="*/ 4 w 71"/>
-                <a:gd name="T59" fmla="*/ 47 h 83"/>
-                <a:gd name="T60" fmla="*/ 0 w 71"/>
-                <a:gd name="T61" fmla="*/ 44 h 83"/>
-                <a:gd name="T62" fmla="*/ 0 w 71"/>
-                <a:gd name="T63" fmla="*/ 43 h 83"/>
-              </a:gdLst>
-              <a:ahLst/>
-              <a:cxnLst>
-                <a:cxn ang="0">
-                  <a:pos x="T0" y="T1"/>
-                </a:cxn>
-                <a:cxn ang="0">
-                  <a:pos x="T2" y="T3"/>
-                </a:cxn>
-                <a:cxn ang="0">
-                  <a:pos x="T4" y="T5"/>
-                </a:cxn>
-                <a:cxn ang="0">
-                  <a:pos x="T6" y="T7"/>
-                </a:cxn>
-                <a:cxn ang="0">
-                  <a:pos x="T8" y="T9"/>
-                </a:cxn>
-                <a:cxn ang="0">
-                  <a:pos x="T10" y="T11"/>
-                </a:cxn>
-                <a:cxn ang="0">
-                  <a:pos x="T12" y="T13"/>
-                </a:cxn>
-                <a:cxn ang="0">
-                  <a:pos x="T14" y="T15"/>
-                </a:cxn>
-                <a:cxn ang="0">
-                  <a:pos x="T16" y="T17"/>
-                </a:cxn>
-                <a:cxn ang="0">
-                  <a:pos x="T18" y="T19"/>
-                </a:cxn>
-                <a:cxn ang="0">
-                  <a:pos x="T20" y="T21"/>
-                </a:cxn>
-                <a:cxn ang="0">
-                  <a:pos x="T22" y="T23"/>
-                </a:cxn>
-                <a:cxn ang="0">
-                  <a:pos x="T24" y="T25"/>
-                </a:cxn>
-                <a:cxn ang="0">
-                  <a:pos x="T26" y="T27"/>
-                </a:cxn>
-                <a:cxn ang="0">
-                  <a:pos x="T28" y="T29"/>
-                </a:cxn>
-                <a:cxn ang="0">
-                  <a:pos x="T30" y="T31"/>
-                </a:cxn>
-                <a:cxn ang="0">
-                  <a:pos x="T32" y="T33"/>
-                </a:cxn>
-                <a:cxn ang="0">
-                  <a:pos x="T34" y="T35"/>
-                </a:cxn>
-                <a:cxn ang="0">
-                  <a:pos x="T36" y="T37"/>
-                </a:cxn>
-                <a:cxn ang="0">
-                  <a:pos x="T38" y="T39"/>
-                </a:cxn>
-                <a:cxn ang="0">
-                  <a:pos x="T40" y="T41"/>
-                </a:cxn>
-                <a:cxn ang="0">
-                  <a:pos x="T42" y="T43"/>
-                </a:cxn>
-                <a:cxn ang="0">
-                  <a:pos x="T44" y="T45"/>
-                </a:cxn>
-                <a:cxn ang="0">
-                  <a:pos x="T46" y="T47"/>
-                </a:cxn>
-                <a:cxn ang="0">
-                  <a:pos x="T48" y="T49"/>
-                </a:cxn>
-                <a:cxn ang="0">
-                  <a:pos x="T50" y="T51"/>
-                </a:cxn>
-                <a:cxn ang="0">
-                  <a:pos x="T52" y="T53"/>
-                </a:cxn>
-                <a:cxn ang="0">
-                  <a:pos x="T54" y="T55"/>
-                </a:cxn>
-                <a:cxn ang="0">
-                  <a:pos x="T56" y="T57"/>
-                </a:cxn>
-                <a:cxn ang="0">
-                  <a:pos x="T58" y="T59"/>
-                </a:cxn>
-                <a:cxn ang="0">
-                  <a:pos x="T60" y="T61"/>
-                </a:cxn>
-                <a:cxn ang="0">
-                  <a:pos x="T62" y="T63"/>
-                </a:cxn>
-              </a:cxnLst>
-              <a:rect l="0" t="0" r="r" b="b"/>
-              <a:pathLst>
-                <a:path w="71" h="83">
-                  <a:moveTo>
-                    <a:pt x="0" y="43"/>
-                  </a:moveTo>
-                  <a:cubicBezTo>
-                    <a:pt x="9" y="37"/>
-                    <a:pt x="18" y="32"/>
-                    <a:pt x="29" y="36"/>
-                  </a:cubicBezTo>
-                  <a:cubicBezTo>
-                    <a:pt x="32" y="36"/>
-                    <a:pt x="35" y="38"/>
-                    <a:pt x="38" y="39"/>
-                  </a:cubicBezTo>
-                  <a:cubicBezTo>
-                    <a:pt x="33" y="32"/>
-                    <a:pt x="31" y="25"/>
-                    <a:pt x="34" y="17"/>
-                  </a:cubicBezTo>
-                  <a:cubicBezTo>
-                    <a:pt x="38" y="5"/>
-                    <a:pt x="53" y="0"/>
-                    <a:pt x="63" y="8"/>
-                  </a:cubicBezTo>
-                  <a:cubicBezTo>
-                    <a:pt x="69" y="13"/>
-                    <a:pt x="70" y="20"/>
-                    <a:pt x="66" y="26"/>
-                  </a:cubicBezTo>
-                  <a:cubicBezTo>
-                    <a:pt x="65" y="28"/>
-                    <a:pt x="64" y="29"/>
-                    <a:pt x="63" y="31"/>
-                  </a:cubicBezTo>
-                  <a:cubicBezTo>
-                    <a:pt x="60" y="34"/>
-                    <a:pt x="56" y="35"/>
-                    <a:pt x="53" y="32"/>
-                  </a:cubicBezTo>
-                  <a:cubicBezTo>
-                    <a:pt x="50" y="30"/>
-                    <a:pt x="49" y="26"/>
-                    <a:pt x="51" y="23"/>
-                  </a:cubicBezTo>
-                  <a:cubicBezTo>
-                    <a:pt x="53" y="20"/>
-                    <a:pt x="57" y="19"/>
-                    <a:pt x="61" y="21"/>
-                  </a:cubicBezTo>
-                  <a:cubicBezTo>
-                    <a:pt x="62" y="21"/>
-                    <a:pt x="63" y="22"/>
-                    <a:pt x="64" y="23"/>
-                  </a:cubicBezTo>
-                  <a:cubicBezTo>
-                    <a:pt x="67" y="16"/>
-                    <a:pt x="63" y="10"/>
-                    <a:pt x="56" y="8"/>
-                  </a:cubicBezTo>
-                  <a:cubicBezTo>
-                    <a:pt x="47" y="5"/>
-                    <a:pt x="38" y="11"/>
-                    <a:pt x="36" y="21"/>
-                  </a:cubicBezTo>
-                  <a:cubicBezTo>
-                    <a:pt x="34" y="31"/>
-                    <a:pt x="39" y="40"/>
-                    <a:pt x="49" y="41"/>
-                  </a:cubicBezTo>
-                  <a:cubicBezTo>
-                    <a:pt x="51" y="42"/>
-                    <a:pt x="53" y="42"/>
-                    <a:pt x="55" y="42"/>
-                  </a:cubicBezTo>
-                  <a:cubicBezTo>
-                    <a:pt x="55" y="43"/>
-                    <a:pt x="55" y="43"/>
-                    <a:pt x="55" y="44"/>
-                  </a:cubicBezTo>
-                  <a:cubicBezTo>
-                    <a:pt x="53" y="45"/>
-                    <a:pt x="50" y="45"/>
-                    <a:pt x="48" y="46"/>
-                  </a:cubicBezTo>
-                  <a:cubicBezTo>
-                    <a:pt x="39" y="48"/>
-                    <a:pt x="34" y="55"/>
-                    <a:pt x="36" y="65"/>
-                  </a:cubicBezTo>
-                  <a:cubicBezTo>
-                    <a:pt x="37" y="74"/>
-                    <a:pt x="44" y="80"/>
-                    <a:pt x="53" y="80"/>
-                  </a:cubicBezTo>
-                  <a:cubicBezTo>
-                    <a:pt x="62" y="79"/>
-                    <a:pt x="68" y="70"/>
-                    <a:pt x="64" y="64"/>
-                  </a:cubicBezTo>
-                  <a:cubicBezTo>
-                    <a:pt x="63" y="65"/>
-                    <a:pt x="62" y="66"/>
-                    <a:pt x="61" y="66"/>
-                  </a:cubicBezTo>
-                  <a:cubicBezTo>
-                    <a:pt x="58" y="68"/>
-                    <a:pt x="53" y="67"/>
-                    <a:pt x="51" y="64"/>
-                  </a:cubicBezTo>
-                  <a:cubicBezTo>
-                    <a:pt x="49" y="61"/>
-                    <a:pt x="50" y="57"/>
-                    <a:pt x="53" y="55"/>
-                  </a:cubicBezTo>
-                  <a:cubicBezTo>
-                    <a:pt x="55" y="53"/>
-                    <a:pt x="60" y="53"/>
-                    <a:pt x="63" y="56"/>
-                  </a:cubicBezTo>
-                  <a:cubicBezTo>
-                    <a:pt x="67" y="61"/>
-                    <a:pt x="71" y="66"/>
-                    <a:pt x="67" y="74"/>
-                  </a:cubicBezTo>
-                  <a:cubicBezTo>
-                    <a:pt x="64" y="80"/>
-                    <a:pt x="58" y="83"/>
-                    <a:pt x="51" y="83"/>
-                  </a:cubicBezTo>
-                  <a:cubicBezTo>
-                    <a:pt x="43" y="83"/>
-                    <a:pt x="38" y="79"/>
-                    <a:pt x="35" y="72"/>
-                  </a:cubicBezTo>
-                  <a:cubicBezTo>
-                    <a:pt x="31" y="63"/>
-                    <a:pt x="32" y="55"/>
-                    <a:pt x="39" y="48"/>
-                  </a:cubicBezTo>
-                  <a:cubicBezTo>
-                    <a:pt x="35" y="49"/>
-                    <a:pt x="32" y="51"/>
-                    <a:pt x="28" y="52"/>
-                  </a:cubicBezTo>
-                  <a:cubicBezTo>
-                    <a:pt x="19" y="54"/>
-                    <a:pt x="11" y="51"/>
-                    <a:pt x="4" y="47"/>
-                  </a:cubicBezTo>
-                  <a:cubicBezTo>
-                    <a:pt x="3" y="46"/>
-                    <a:pt x="1" y="45"/>
-                    <a:pt x="0" y="44"/>
-                  </a:cubicBezTo>
-                  <a:cubicBezTo>
-                    <a:pt x="0" y="44"/>
-                    <a:pt x="0" y="44"/>
-                    <a:pt x="0" y="43"/>
-                  </a:cubicBezTo>
-                  <a:close/>
-                </a:path>
-              </a:pathLst>
-            </a:custGeom>
-            <a:grpFill/>
-            <a:ln>
-              <a:noFill/>
-            </a:ln>
-            <a:extLst>
-              <a:ext uri="{91240B29-F687-4F45-9708-019B960494DF}">
-                <a14:hiddenLine xmlns:a14="http://schemas.microsoft.com/office/drawing/2010/main" w="9525">
-                  <a:solidFill>
-                    <a:srgbClr val="000000"/>
-                  </a:solidFill>
-                  <a:round/>
-                </a14:hiddenLine>
-              </a:ext>
-            </a:extLst>
-          </p:spPr>
-          <p:txBody>
-            <a:bodyPr vert="horz" wrap="square" lIns="91440" tIns="45720" rIns="91440" bIns="45720" numCol="1" anchor="t" anchorCtr="0" compatLnSpc="1"/>
-            <a:lstStyle/>
-            <a:p>
-              <a:endParaRPr lang="zh-CN" altLang="en-US"/>
-            </a:p>
-          </p:txBody>
-        </p:sp>
-        <p:sp>
-          <p:nvSpPr>
-            <p:cNvPr id="26" name="Freeform 10"/>
-            <p:cNvSpPr/>
-            <p:nvPr/>
-          </p:nvSpPr>
-          <p:spPr bwMode="auto">
-            <a:xfrm flipV="1">
-              <a:off x="2780" y="2138"/>
-              <a:ext cx="6593" cy="33"/>
-            </a:xfrm>
-            <a:custGeom>
-              <a:avLst/>
-              <a:gdLst>
-                <a:gd name="T0" fmla="*/ 25 w 910"/>
-                <a:gd name="T1" fmla="*/ 0 h 13"/>
-                <a:gd name="T2" fmla="*/ 114 w 910"/>
-                <a:gd name="T3" fmla="*/ 4 h 13"/>
-                <a:gd name="T4" fmla="*/ 147 w 910"/>
-                <a:gd name="T5" fmla="*/ 5 h 13"/>
-                <a:gd name="T6" fmla="*/ 744 w 910"/>
-                <a:gd name="T7" fmla="*/ 5 h 13"/>
-                <a:gd name="T8" fmla="*/ 862 w 910"/>
-                <a:gd name="T9" fmla="*/ 1 h 13"/>
-                <a:gd name="T10" fmla="*/ 902 w 910"/>
-                <a:gd name="T11" fmla="*/ 0 h 13"/>
-                <a:gd name="T12" fmla="*/ 910 w 910"/>
-                <a:gd name="T13" fmla="*/ 7 h 13"/>
-                <a:gd name="T14" fmla="*/ 902 w 910"/>
-                <a:gd name="T15" fmla="*/ 13 h 13"/>
-                <a:gd name="T16" fmla="*/ 812 w 910"/>
-                <a:gd name="T17" fmla="*/ 10 h 13"/>
-                <a:gd name="T18" fmla="*/ 699 w 910"/>
-                <a:gd name="T19" fmla="*/ 8 h 13"/>
-                <a:gd name="T20" fmla="*/ 334 w 910"/>
-                <a:gd name="T21" fmla="*/ 8 h 13"/>
-                <a:gd name="T22" fmla="*/ 50 w 910"/>
-                <a:gd name="T23" fmla="*/ 12 h 13"/>
-                <a:gd name="T24" fmla="*/ 9 w 910"/>
-                <a:gd name="T25" fmla="*/ 13 h 13"/>
-                <a:gd name="T26" fmla="*/ 1 w 910"/>
-                <a:gd name="T27" fmla="*/ 6 h 13"/>
-                <a:gd name="T28" fmla="*/ 8 w 910"/>
-                <a:gd name="T29" fmla="*/ 0 h 13"/>
-                <a:gd name="T30" fmla="*/ 25 w 910"/>
-                <a:gd name="T31" fmla="*/ 0 h 13"/>
-              </a:gdLst>
-              <a:ahLst/>
-              <a:cxnLst>
-                <a:cxn ang="0">
-                  <a:pos x="T0" y="T1"/>
-                </a:cxn>
-                <a:cxn ang="0">
-                  <a:pos x="T2" y="T3"/>
-                </a:cxn>
-                <a:cxn ang="0">
-                  <a:pos x="T4" y="T5"/>
-                </a:cxn>
-                <a:cxn ang="0">
-                  <a:pos x="T6" y="T7"/>
-                </a:cxn>
-                <a:cxn ang="0">
-                  <a:pos x="T8" y="T9"/>
-                </a:cxn>
-                <a:cxn ang="0">
-                  <a:pos x="T10" y="T11"/>
-                </a:cxn>
-                <a:cxn ang="0">
-                  <a:pos x="T12" y="T13"/>
-                </a:cxn>
-                <a:cxn ang="0">
-                  <a:pos x="T14" y="T15"/>
-                </a:cxn>
-                <a:cxn ang="0">
-                  <a:pos x="T16" y="T17"/>
-                </a:cxn>
-                <a:cxn ang="0">
-                  <a:pos x="T18" y="T19"/>
-                </a:cxn>
-                <a:cxn ang="0">
-                  <a:pos x="T20" y="T21"/>
-                </a:cxn>
-                <a:cxn ang="0">
-                  <a:pos x="T22" y="T23"/>
-                </a:cxn>
-                <a:cxn ang="0">
-                  <a:pos x="T24" y="T25"/>
-                </a:cxn>
-                <a:cxn ang="0">
-                  <a:pos x="T26" y="T27"/>
-                </a:cxn>
-                <a:cxn ang="0">
-                  <a:pos x="T28" y="T29"/>
-                </a:cxn>
-                <a:cxn ang="0">
-                  <a:pos x="T30" y="T31"/>
-                </a:cxn>
-              </a:cxnLst>
-              <a:rect l="0" t="0" r="r" b="b"/>
-              <a:pathLst>
-                <a:path w="910" h="13">
-                  <a:moveTo>
-                    <a:pt x="25" y="0"/>
-                  </a:moveTo>
-                  <a:cubicBezTo>
-                    <a:pt x="55" y="1"/>
-                    <a:pt x="84" y="3"/>
-                    <a:pt x="114" y="4"/>
-                  </a:cubicBezTo>
-                  <a:cubicBezTo>
-                    <a:pt x="125" y="4"/>
-                    <a:pt x="136" y="5"/>
-                    <a:pt x="147" y="5"/>
-                  </a:cubicBezTo>
-                  <a:cubicBezTo>
-                    <a:pt x="346" y="5"/>
-                    <a:pt x="545" y="5"/>
-                    <a:pt x="744" y="5"/>
-                  </a:cubicBezTo>
-                  <a:cubicBezTo>
-                    <a:pt x="783" y="5"/>
-                    <a:pt x="822" y="2"/>
-                    <a:pt x="862" y="1"/>
-                  </a:cubicBezTo>
-                  <a:cubicBezTo>
-                    <a:pt x="875" y="0"/>
-                    <a:pt x="889" y="0"/>
-                    <a:pt x="902" y="0"/>
-                  </a:cubicBezTo>
-                  <a:cubicBezTo>
-                    <a:pt x="907" y="0"/>
-                    <a:pt x="910" y="2"/>
-                    <a:pt x="910" y="7"/>
-                  </a:cubicBezTo>
-                  <a:cubicBezTo>
-                    <a:pt x="910" y="11"/>
-                    <a:pt x="907" y="13"/>
-                    <a:pt x="902" y="13"/>
-                  </a:cubicBezTo>
-                  <a:cubicBezTo>
-                    <a:pt x="872" y="12"/>
-                    <a:pt x="842" y="11"/>
-                    <a:pt x="812" y="10"/>
-                  </a:cubicBezTo>
-                  <a:cubicBezTo>
-                    <a:pt x="775" y="9"/>
-                    <a:pt x="737" y="8"/>
-                    <a:pt x="699" y="8"/>
-                  </a:cubicBezTo>
-                  <a:cubicBezTo>
-                    <a:pt x="578" y="8"/>
-                    <a:pt x="456" y="8"/>
-                    <a:pt x="334" y="8"/>
-                  </a:cubicBezTo>
-                  <a:cubicBezTo>
-                    <a:pt x="240" y="9"/>
-                    <a:pt x="145" y="6"/>
-                    <a:pt x="50" y="12"/>
-                  </a:cubicBezTo>
-                  <a:cubicBezTo>
-                    <a:pt x="36" y="13"/>
-                    <a:pt x="23" y="13"/>
-                    <a:pt x="9" y="13"/>
-                  </a:cubicBezTo>
-                  <a:cubicBezTo>
-                    <a:pt x="4" y="13"/>
-                    <a:pt x="0" y="10"/>
-                    <a:pt x="1" y="6"/>
-                  </a:cubicBezTo>
-                  <a:cubicBezTo>
-                    <a:pt x="1" y="2"/>
-                    <a:pt x="3" y="0"/>
-                    <a:pt x="8" y="0"/>
-                  </a:cubicBezTo>
-                  <a:cubicBezTo>
-                    <a:pt x="14" y="0"/>
-                    <a:pt x="20" y="0"/>
-                    <a:pt x="25" y="0"/>
-                  </a:cubicBezTo>
-                  <a:close/>
-                </a:path>
-              </a:pathLst>
-            </a:custGeom>
-            <a:grpFill/>
-            <a:ln>
-              <a:noFill/>
-            </a:ln>
-            <a:extLst>
-              <a:ext uri="{91240B29-F687-4F45-9708-019B960494DF}">
-                <a14:hiddenLine xmlns:a14="http://schemas.microsoft.com/office/drawing/2010/main" w="9525">
-                  <a:solidFill>
-                    <a:srgbClr val="000000"/>
-                  </a:solidFill>
-                  <a:round/>
-                </a14:hiddenLine>
-              </a:ext>
-            </a:extLst>
-          </p:spPr>
-          <p:txBody>
-            <a:bodyPr vert="horz" wrap="square" lIns="91440" tIns="45720" rIns="91440" bIns="45720" numCol="1" anchor="t" anchorCtr="0" compatLnSpc="1"/>
-            <a:lstStyle/>
-            <a:p>
-              <a:endParaRPr lang="zh-CN" altLang="en-US"/>
-            </a:p>
-          </p:txBody>
-        </p:sp>
-        <p:sp>
-          <p:nvSpPr>
-            <p:cNvPr id="27" name="Freeform 11"/>
-            <p:cNvSpPr/>
-            <p:nvPr/>
-          </p:nvSpPr>
-          <p:spPr bwMode="auto">
-            <a:xfrm>
-              <a:off x="9365" y="2055"/>
-              <a:ext cx="168" cy="199"/>
-            </a:xfrm>
-            <a:custGeom>
-              <a:avLst/>
-              <a:gdLst>
-                <a:gd name="T0" fmla="*/ 17 w 71"/>
-                <a:gd name="T1" fmla="*/ 40 h 81"/>
-                <a:gd name="T2" fmla="*/ 23 w 71"/>
-                <a:gd name="T3" fmla="*/ 38 h 81"/>
-                <a:gd name="T4" fmla="*/ 35 w 71"/>
-                <a:gd name="T5" fmla="*/ 16 h 81"/>
-                <a:gd name="T6" fmla="*/ 15 w 71"/>
-                <a:gd name="T7" fmla="*/ 5 h 81"/>
-                <a:gd name="T8" fmla="*/ 8 w 71"/>
-                <a:gd name="T9" fmla="*/ 20 h 81"/>
-                <a:gd name="T10" fmla="*/ 10 w 71"/>
-                <a:gd name="T11" fmla="*/ 18 h 81"/>
-                <a:gd name="T12" fmla="*/ 20 w 71"/>
-                <a:gd name="T13" fmla="*/ 20 h 81"/>
-                <a:gd name="T14" fmla="*/ 19 w 71"/>
-                <a:gd name="T15" fmla="*/ 29 h 81"/>
-                <a:gd name="T16" fmla="*/ 9 w 71"/>
-                <a:gd name="T17" fmla="*/ 28 h 81"/>
-                <a:gd name="T18" fmla="*/ 5 w 71"/>
-                <a:gd name="T19" fmla="*/ 9 h 81"/>
-                <a:gd name="T20" fmla="*/ 23 w 71"/>
-                <a:gd name="T21" fmla="*/ 1 h 81"/>
-                <a:gd name="T22" fmla="*/ 38 w 71"/>
-                <a:gd name="T23" fmla="*/ 16 h 81"/>
-                <a:gd name="T24" fmla="*/ 34 w 71"/>
-                <a:gd name="T25" fmla="*/ 36 h 81"/>
-                <a:gd name="T26" fmla="*/ 71 w 71"/>
-                <a:gd name="T27" fmla="*/ 40 h 81"/>
-                <a:gd name="T28" fmla="*/ 33 w 71"/>
-                <a:gd name="T29" fmla="*/ 45 h 81"/>
-                <a:gd name="T30" fmla="*/ 38 w 71"/>
-                <a:gd name="T31" fmla="*/ 64 h 81"/>
-                <a:gd name="T32" fmla="*/ 27 w 71"/>
-                <a:gd name="T33" fmla="*/ 79 h 81"/>
-                <a:gd name="T34" fmla="*/ 8 w 71"/>
-                <a:gd name="T35" fmla="*/ 76 h 81"/>
-                <a:gd name="T36" fmla="*/ 5 w 71"/>
-                <a:gd name="T37" fmla="*/ 58 h 81"/>
-                <a:gd name="T38" fmla="*/ 8 w 71"/>
-                <a:gd name="T39" fmla="*/ 54 h 81"/>
-                <a:gd name="T40" fmla="*/ 18 w 71"/>
-                <a:gd name="T41" fmla="*/ 52 h 81"/>
-                <a:gd name="T42" fmla="*/ 20 w 71"/>
-                <a:gd name="T43" fmla="*/ 62 h 81"/>
-                <a:gd name="T44" fmla="*/ 9 w 71"/>
-                <a:gd name="T45" fmla="*/ 62 h 81"/>
-                <a:gd name="T46" fmla="*/ 8 w 71"/>
-                <a:gd name="T47" fmla="*/ 60 h 81"/>
-                <a:gd name="T48" fmla="*/ 13 w 71"/>
-                <a:gd name="T49" fmla="*/ 76 h 81"/>
-                <a:gd name="T50" fmla="*/ 36 w 71"/>
-                <a:gd name="T51" fmla="*/ 63 h 81"/>
-                <a:gd name="T52" fmla="*/ 21 w 71"/>
-                <a:gd name="T53" fmla="*/ 42 h 81"/>
-                <a:gd name="T54" fmla="*/ 17 w 71"/>
-                <a:gd name="T55" fmla="*/ 41 h 81"/>
-                <a:gd name="T56" fmla="*/ 17 w 71"/>
-                <a:gd name="T57" fmla="*/ 40 h 81"/>
-              </a:gdLst>
-              <a:ahLst/>
-              <a:cxnLst>
-                <a:cxn ang="0">
-                  <a:pos x="T0" y="T1"/>
-                </a:cxn>
-                <a:cxn ang="0">
-                  <a:pos x="T2" y="T3"/>
-                </a:cxn>
-                <a:cxn ang="0">
-                  <a:pos x="T4" y="T5"/>
-                </a:cxn>
-                <a:cxn ang="0">
-                  <a:pos x="T6" y="T7"/>
-                </a:cxn>
-                <a:cxn ang="0">
-                  <a:pos x="T8" y="T9"/>
-                </a:cxn>
-                <a:cxn ang="0">
-                  <a:pos x="T10" y="T11"/>
-                </a:cxn>
-                <a:cxn ang="0">
-                  <a:pos x="T12" y="T13"/>
-                </a:cxn>
-                <a:cxn ang="0">
-                  <a:pos x="T14" y="T15"/>
-                </a:cxn>
-                <a:cxn ang="0">
-                  <a:pos x="T16" y="T17"/>
-                </a:cxn>
-                <a:cxn ang="0">
-                  <a:pos x="T18" y="T19"/>
-                </a:cxn>
-                <a:cxn ang="0">
-                  <a:pos x="T20" y="T21"/>
-                </a:cxn>
-                <a:cxn ang="0">
-                  <a:pos x="T22" y="T23"/>
-                </a:cxn>
-                <a:cxn ang="0">
-                  <a:pos x="T24" y="T25"/>
-                </a:cxn>
-                <a:cxn ang="0">
-                  <a:pos x="T26" y="T27"/>
-                </a:cxn>
-                <a:cxn ang="0">
-                  <a:pos x="T28" y="T29"/>
-                </a:cxn>
-                <a:cxn ang="0">
-                  <a:pos x="T30" y="T31"/>
-                </a:cxn>
-                <a:cxn ang="0">
-                  <a:pos x="T32" y="T33"/>
-                </a:cxn>
-                <a:cxn ang="0">
-                  <a:pos x="T34" y="T35"/>
-                </a:cxn>
-                <a:cxn ang="0">
-                  <a:pos x="T36" y="T37"/>
-                </a:cxn>
-                <a:cxn ang="0">
-                  <a:pos x="T38" y="T39"/>
-                </a:cxn>
-                <a:cxn ang="0">
-                  <a:pos x="T40" y="T41"/>
-                </a:cxn>
-                <a:cxn ang="0">
-                  <a:pos x="T42" y="T43"/>
-                </a:cxn>
-                <a:cxn ang="0">
-                  <a:pos x="T44" y="T45"/>
-                </a:cxn>
-                <a:cxn ang="0">
-                  <a:pos x="T46" y="T47"/>
-                </a:cxn>
-                <a:cxn ang="0">
-                  <a:pos x="T48" y="T49"/>
-                </a:cxn>
-                <a:cxn ang="0">
-                  <a:pos x="T50" y="T51"/>
-                </a:cxn>
-                <a:cxn ang="0">
-                  <a:pos x="T52" y="T53"/>
-                </a:cxn>
-                <a:cxn ang="0">
-                  <a:pos x="T54" y="T55"/>
-                </a:cxn>
-                <a:cxn ang="0">
-                  <a:pos x="T56" y="T57"/>
-                </a:cxn>
-              </a:cxnLst>
-              <a:rect l="0" t="0" r="r" b="b"/>
-              <a:pathLst>
-                <a:path w="71" h="81">
-                  <a:moveTo>
-                    <a:pt x="17" y="40"/>
-                  </a:moveTo>
-                  <a:cubicBezTo>
-                    <a:pt x="19" y="39"/>
-                    <a:pt x="21" y="39"/>
-                    <a:pt x="23" y="38"/>
-                  </a:cubicBezTo>
-                  <a:cubicBezTo>
-                    <a:pt x="35" y="36"/>
-                    <a:pt x="37" y="26"/>
-                    <a:pt x="35" y="16"/>
-                  </a:cubicBezTo>
-                  <a:cubicBezTo>
-                    <a:pt x="34" y="7"/>
-                    <a:pt x="23" y="2"/>
-                    <a:pt x="15" y="5"/>
-                  </a:cubicBezTo>
-                  <a:cubicBezTo>
-                    <a:pt x="8" y="7"/>
-                    <a:pt x="5" y="14"/>
-                    <a:pt x="8" y="20"/>
-                  </a:cubicBezTo>
-                  <a:cubicBezTo>
-                    <a:pt x="9" y="19"/>
-                    <a:pt x="9" y="18"/>
-                    <a:pt x="10" y="18"/>
-                  </a:cubicBezTo>
-                  <a:cubicBezTo>
-                    <a:pt x="14" y="16"/>
-                    <a:pt x="18" y="17"/>
-                    <a:pt x="20" y="20"/>
-                  </a:cubicBezTo>
-                  <a:cubicBezTo>
-                    <a:pt x="22" y="23"/>
-                    <a:pt x="21" y="27"/>
-                    <a:pt x="19" y="29"/>
-                  </a:cubicBezTo>
-                  <a:cubicBezTo>
-                    <a:pt x="16" y="32"/>
-                    <a:pt x="11" y="31"/>
-                    <a:pt x="9" y="28"/>
-                  </a:cubicBezTo>
-                  <a:cubicBezTo>
-                    <a:pt x="5" y="22"/>
-                    <a:pt x="0" y="17"/>
-                    <a:pt x="5" y="9"/>
-                  </a:cubicBezTo>
-                  <a:cubicBezTo>
-                    <a:pt x="8" y="4"/>
-                    <a:pt x="16" y="0"/>
-                    <a:pt x="23" y="1"/>
-                  </a:cubicBezTo>
-                  <a:cubicBezTo>
-                    <a:pt x="31" y="3"/>
-                    <a:pt x="37" y="9"/>
-                    <a:pt x="38" y="16"/>
-                  </a:cubicBezTo>
-                  <a:cubicBezTo>
-                    <a:pt x="40" y="23"/>
-                    <a:pt x="39" y="26"/>
-                    <a:pt x="34" y="36"/>
-                  </a:cubicBezTo>
-                  <a:cubicBezTo>
-                    <a:pt x="47" y="28"/>
-                    <a:pt x="59" y="31"/>
-                    <a:pt x="71" y="40"/>
-                  </a:cubicBezTo>
-                  <a:cubicBezTo>
-                    <a:pt x="63" y="49"/>
-                    <a:pt x="51" y="51"/>
-                    <a:pt x="33" y="45"/>
-                  </a:cubicBezTo>
-                  <a:cubicBezTo>
-                    <a:pt x="38" y="51"/>
-                    <a:pt x="40" y="57"/>
-                    <a:pt x="38" y="64"/>
-                  </a:cubicBezTo>
-                  <a:cubicBezTo>
-                    <a:pt x="37" y="71"/>
-                    <a:pt x="33" y="76"/>
-                    <a:pt x="27" y="79"/>
-                  </a:cubicBezTo>
-                  <a:cubicBezTo>
-                    <a:pt x="20" y="81"/>
-                    <a:pt x="14" y="80"/>
-                    <a:pt x="8" y="76"/>
-                  </a:cubicBezTo>
-                  <a:cubicBezTo>
-                    <a:pt x="2" y="71"/>
-                    <a:pt x="1" y="64"/>
-                    <a:pt x="5" y="58"/>
-                  </a:cubicBezTo>
-                  <a:cubicBezTo>
-                    <a:pt x="6" y="57"/>
-                    <a:pt x="7" y="55"/>
-                    <a:pt x="8" y="54"/>
-                  </a:cubicBezTo>
-                  <a:cubicBezTo>
-                    <a:pt x="11" y="50"/>
-                    <a:pt x="15" y="49"/>
-                    <a:pt x="18" y="52"/>
-                  </a:cubicBezTo>
-                  <a:cubicBezTo>
-                    <a:pt x="22" y="54"/>
-                    <a:pt x="22" y="59"/>
-                    <a:pt x="20" y="62"/>
-                  </a:cubicBezTo>
-                  <a:cubicBezTo>
-                    <a:pt x="17" y="65"/>
-                    <a:pt x="13" y="65"/>
-                    <a:pt x="9" y="62"/>
-                  </a:cubicBezTo>
-                  <a:cubicBezTo>
-                    <a:pt x="9" y="62"/>
-                    <a:pt x="9" y="61"/>
-                    <a:pt x="8" y="60"/>
-                  </a:cubicBezTo>
-                  <a:cubicBezTo>
-                    <a:pt x="5" y="67"/>
-                    <a:pt x="7" y="73"/>
-                    <a:pt x="13" y="76"/>
-                  </a:cubicBezTo>
-                  <a:cubicBezTo>
-                    <a:pt x="23" y="80"/>
-                    <a:pt x="34" y="73"/>
-                    <a:pt x="36" y="63"/>
-                  </a:cubicBezTo>
-                  <a:cubicBezTo>
-                    <a:pt x="37" y="51"/>
-                    <a:pt x="32" y="44"/>
-                    <a:pt x="21" y="42"/>
-                  </a:cubicBezTo>
-                  <a:cubicBezTo>
-                    <a:pt x="19" y="42"/>
-                    <a:pt x="18" y="42"/>
-                    <a:pt x="17" y="41"/>
-                  </a:cubicBezTo>
-                  <a:cubicBezTo>
-                    <a:pt x="17" y="41"/>
-                    <a:pt x="17" y="40"/>
-                    <a:pt x="17" y="40"/>
-                  </a:cubicBezTo>
-                  <a:close/>
-                </a:path>
-              </a:pathLst>
-            </a:custGeom>
-            <a:grpFill/>
-            <a:ln>
-              <a:noFill/>
-            </a:ln>
-            <a:extLst>
-              <a:ext uri="{91240B29-F687-4F45-9708-019B960494DF}">
-                <a14:hiddenLine xmlns:a14="http://schemas.microsoft.com/office/drawing/2010/main" w="9525">
-                  <a:solidFill>
-                    <a:srgbClr val="000000"/>
-                  </a:solidFill>
-                  <a:round/>
-                </a14:hiddenLine>
-              </a:ext>
-            </a:extLst>
-          </p:spPr>
-          <p:txBody>
-            <a:bodyPr vert="horz" wrap="square" lIns="91440" tIns="45720" rIns="91440" bIns="45720" numCol="1" anchor="t" anchorCtr="0" compatLnSpc="1"/>
-            <a:lstStyle/>
-            <a:p>
-              <a:endParaRPr lang="zh-CN" altLang="en-US"/>
-            </a:p>
-          </p:txBody>
-        </p:sp>
-      </p:grpSp>
-      <p:sp>
-        <p:nvSpPr>
-          <p:cNvPr id="11" name="淘宝店chenying0907 22"/>
-          <p:cNvSpPr/>
-          <p:nvPr/>
-        </p:nvSpPr>
-        <p:spPr>
-          <a:xfrm>
-            <a:off x="1631224" y="2035098"/>
-            <a:ext cx="8159546" cy="2308324"/>
-          </a:xfrm>
-          <a:prstGeom prst="rect">
-            <a:avLst/>
-          </a:prstGeom>
-        </p:spPr>
-        <p:txBody>
-          <a:bodyPr wrap="square">
-            <a:spAutoFit/>
-          </a:bodyPr>
-          <a:lstStyle/>
-          <a:p>
-            <a:pPr algn="ctr"/>
-            <a:endParaRPr lang="en-US" altLang="zh-CN" sz="2400" dirty="0" smtClean="0">
-              <a:solidFill>
-                <a:srgbClr val="B8A78D"/>
-              </a:solidFill>
-              <a:latin typeface="微软雅黑 Light" panose="020B0502040204020203" pitchFamily="34" charset="-122"/>
-              <a:ea typeface="微软雅黑 Light" panose="020B0502040204020203" pitchFamily="34" charset="-122"/>
-            </a:endParaRPr>
-          </a:p>
-          <a:p>
-            <a:pPr algn="ctr"/>
-            <a:r>
-              <a:rPr lang="zh-CN" altLang="en-US" sz="2400" dirty="0">
-                <a:solidFill>
-                  <a:srgbClr val="B8A78D"/>
-                </a:solidFill>
-                <a:latin typeface="微软雅黑 Light" panose="020B0502040204020203" pitchFamily="34" charset="-122"/>
-                <a:ea typeface="微软雅黑 Light" panose="020B0502040204020203" pitchFamily="34" charset="-122"/>
-              </a:rPr>
-              <a:t>葛倍良</a:t>
-            </a:r>
-            <a:r>
-              <a:rPr lang="en-US" altLang="zh-CN" sz="2400" dirty="0">
-                <a:solidFill>
-                  <a:srgbClr val="B8A78D"/>
-                </a:solidFill>
-                <a:latin typeface="微软雅黑 Light" panose="020B0502040204020203" pitchFamily="34" charset="-122"/>
-                <a:ea typeface="微软雅黑 Light" panose="020B0502040204020203" pitchFamily="34" charset="-122"/>
-              </a:rPr>
-              <a:t>(90</a:t>
-            </a:r>
-            <a:r>
-              <a:rPr lang="en-US" altLang="zh-CN" sz="2400" dirty="0" smtClean="0">
-                <a:solidFill>
-                  <a:srgbClr val="B8A78D"/>
-                </a:solidFill>
-                <a:latin typeface="微软雅黑 Light" panose="020B0502040204020203" pitchFamily="34" charset="-122"/>
-                <a:ea typeface="微软雅黑 Light" panose="020B0502040204020203" pitchFamily="34" charset="-122"/>
-              </a:rPr>
-              <a:t>):</a:t>
-            </a:r>
-            <a:r>
-              <a:rPr lang="zh-CN" altLang="en-US" sz="2400" dirty="0" smtClean="0">
-                <a:solidFill>
-                  <a:srgbClr val="B8A78D"/>
-                </a:solidFill>
-                <a:latin typeface="微软雅黑 Light" panose="020B0502040204020203" pitchFamily="34" charset="-122"/>
-                <a:ea typeface="微软雅黑 Light" panose="020B0502040204020203" pitchFamily="34" charset="-122"/>
-              </a:rPr>
-              <a:t>图</a:t>
-            </a:r>
-            <a:r>
-              <a:rPr lang="zh-CN" altLang="en-US" sz="2400" dirty="0">
-                <a:solidFill>
-                  <a:srgbClr val="B8A78D"/>
-                </a:solidFill>
-                <a:latin typeface="微软雅黑 Light" panose="020B0502040204020203" pitchFamily="34" charset="-122"/>
-                <a:ea typeface="微软雅黑 Light" panose="020B0502040204020203" pitchFamily="34" charset="-122"/>
-              </a:rPr>
-              <a:t>的绘制</a:t>
-            </a:r>
-          </a:p>
-          <a:p>
-            <a:pPr algn="ctr"/>
-            <a:r>
-              <a:rPr lang="zh-CN" altLang="en-US" sz="2400" dirty="0">
-                <a:solidFill>
-                  <a:srgbClr val="B8A78D"/>
-                </a:solidFill>
-                <a:latin typeface="微软雅黑 Light" panose="020B0502040204020203" pitchFamily="34" charset="-122"/>
-                <a:ea typeface="微软雅黑 Light" panose="020B0502040204020203" pitchFamily="34" charset="-122"/>
-              </a:rPr>
-              <a:t>黄鹏羽</a:t>
-            </a:r>
-            <a:r>
-              <a:rPr lang="en-US" altLang="zh-CN" sz="2400" dirty="0">
-                <a:solidFill>
-                  <a:srgbClr val="B8A78D"/>
-                </a:solidFill>
-                <a:latin typeface="微软雅黑 Light" panose="020B0502040204020203" pitchFamily="34" charset="-122"/>
-                <a:ea typeface="微软雅黑 Light" panose="020B0502040204020203" pitchFamily="34" charset="-122"/>
-              </a:rPr>
-              <a:t>(85):</a:t>
-            </a:r>
-            <a:r>
-              <a:rPr lang="zh-CN" altLang="en-US" sz="2400" dirty="0">
-                <a:solidFill>
-                  <a:srgbClr val="B8A78D"/>
-                </a:solidFill>
-                <a:latin typeface="微软雅黑 Light" panose="020B0502040204020203" pitchFamily="34" charset="-122"/>
-                <a:ea typeface="微软雅黑 Light" panose="020B0502040204020203" pitchFamily="34" charset="-122"/>
-              </a:rPr>
-              <a:t>后期美工</a:t>
-            </a:r>
-          </a:p>
-          <a:p>
-            <a:pPr algn="ctr"/>
-            <a:r>
-              <a:rPr lang="zh-CN" altLang="en-US" sz="2400" dirty="0" smtClean="0">
-                <a:solidFill>
-                  <a:srgbClr val="B8A78D"/>
-                </a:solidFill>
-                <a:latin typeface="微软雅黑 Light" panose="020B0502040204020203" pitchFamily="34" charset="-122"/>
-                <a:ea typeface="微软雅黑 Light" panose="020B0502040204020203" pitchFamily="34" charset="-122"/>
-              </a:rPr>
-              <a:t>余倩</a:t>
-            </a:r>
-            <a:r>
-              <a:rPr lang="en-US" altLang="zh-CN" sz="2400" dirty="0" smtClean="0">
-                <a:solidFill>
-                  <a:srgbClr val="B8A78D"/>
-                </a:solidFill>
-                <a:latin typeface="微软雅黑 Light" panose="020B0502040204020203" pitchFamily="34" charset="-122"/>
-                <a:ea typeface="微软雅黑 Light" panose="020B0502040204020203" pitchFamily="34" charset="-122"/>
-              </a:rPr>
-              <a:t>(93</a:t>
-            </a:r>
-            <a:r>
-              <a:rPr lang="en-US" altLang="zh-CN" sz="2400" dirty="0">
-                <a:solidFill>
-                  <a:srgbClr val="B8A78D"/>
-                </a:solidFill>
-                <a:latin typeface="微软雅黑 Light" panose="020B0502040204020203" pitchFamily="34" charset="-122"/>
-                <a:ea typeface="微软雅黑 Light" panose="020B0502040204020203" pitchFamily="34" charset="-122"/>
-              </a:rPr>
-              <a:t>):PPT</a:t>
-            </a:r>
-            <a:r>
-              <a:rPr lang="zh-CN" altLang="en-US" sz="2400" dirty="0">
-                <a:solidFill>
-                  <a:srgbClr val="B8A78D"/>
-                </a:solidFill>
-                <a:latin typeface="微软雅黑 Light" panose="020B0502040204020203" pitchFamily="34" charset="-122"/>
-                <a:ea typeface="微软雅黑 Light" panose="020B0502040204020203" pitchFamily="34" charset="-122"/>
-              </a:rPr>
-              <a:t>制作及资料查询</a:t>
-            </a:r>
-          </a:p>
-          <a:p>
-            <a:pPr algn="ctr"/>
-            <a:r>
-              <a:rPr lang="zh-CN" altLang="en-US" sz="2400" dirty="0">
-                <a:solidFill>
-                  <a:srgbClr val="B8A78D"/>
-                </a:solidFill>
-                <a:latin typeface="微软雅黑 Light" panose="020B0502040204020203" pitchFamily="34" charset="-122"/>
-                <a:ea typeface="微软雅黑 Light" panose="020B0502040204020203" pitchFamily="34" charset="-122"/>
-              </a:rPr>
-              <a:t>周雨璐</a:t>
-            </a:r>
-            <a:r>
-              <a:rPr lang="en-US" altLang="zh-CN" sz="2400" dirty="0">
-                <a:solidFill>
-                  <a:srgbClr val="B8A78D"/>
-                </a:solidFill>
-                <a:latin typeface="微软雅黑 Light" panose="020B0502040204020203" pitchFamily="34" charset="-122"/>
-                <a:ea typeface="微软雅黑 Light" panose="020B0502040204020203" pitchFamily="34" charset="-122"/>
-              </a:rPr>
-              <a:t>(86):PPT</a:t>
-            </a:r>
-            <a:r>
-              <a:rPr lang="zh-CN" altLang="en-US" sz="2400" dirty="0">
-                <a:solidFill>
-                  <a:srgbClr val="B8A78D"/>
-                </a:solidFill>
-                <a:latin typeface="微软雅黑 Light" panose="020B0502040204020203" pitchFamily="34" charset="-122"/>
-                <a:ea typeface="微软雅黑 Light" panose="020B0502040204020203" pitchFamily="34" charset="-122"/>
-              </a:rPr>
-              <a:t>的检查与修改</a:t>
-            </a:r>
-          </a:p>
-          <a:p>
-            <a:pPr algn="ctr"/>
-            <a:r>
-              <a:rPr lang="zh-CN" altLang="en-US" sz="2400" dirty="0" smtClean="0">
-                <a:solidFill>
-                  <a:srgbClr val="B8A78D"/>
-                </a:solidFill>
-                <a:latin typeface="微软雅黑 Light" panose="020B0502040204020203" pitchFamily="34" charset="-122"/>
-                <a:ea typeface="微软雅黑 Light" panose="020B0502040204020203" pitchFamily="34" charset="-122"/>
-              </a:rPr>
-              <a:t>金浩楠</a:t>
-            </a:r>
-            <a:r>
-              <a:rPr lang="en-US" altLang="zh-CN" sz="2400" dirty="0" smtClean="0">
-                <a:solidFill>
-                  <a:srgbClr val="B8A78D"/>
-                </a:solidFill>
-                <a:latin typeface="微软雅黑 Light" panose="020B0502040204020203" pitchFamily="34" charset="-122"/>
-                <a:ea typeface="微软雅黑 Light" panose="020B0502040204020203" pitchFamily="34" charset="-122"/>
-              </a:rPr>
-              <a:t>(88</a:t>
-            </a:r>
-            <a:r>
-              <a:rPr lang="en-US" altLang="zh-CN" sz="2400" dirty="0">
-                <a:solidFill>
-                  <a:srgbClr val="B8A78D"/>
-                </a:solidFill>
-                <a:latin typeface="微软雅黑 Light" panose="020B0502040204020203" pitchFamily="34" charset="-122"/>
-                <a:ea typeface="微软雅黑 Light" panose="020B0502040204020203" pitchFamily="34" charset="-122"/>
-              </a:rPr>
-              <a:t>):</a:t>
-            </a:r>
-            <a:r>
-              <a:rPr lang="zh-CN" altLang="en-US" sz="2400" dirty="0">
-                <a:solidFill>
-                  <a:srgbClr val="B8A78D"/>
-                </a:solidFill>
-                <a:latin typeface="微软雅黑 Light" panose="020B0502040204020203" pitchFamily="34" charset="-122"/>
-                <a:ea typeface="微软雅黑 Light" panose="020B0502040204020203" pitchFamily="34" charset="-122"/>
-              </a:rPr>
-              <a:t>协助资料查询</a:t>
-            </a:r>
-          </a:p>
-        </p:txBody>
-      </p:sp>
-    </p:spTree>
-    <p:extLst>
-      <p:ext uri="{BB962C8B-B14F-4D97-AF65-F5344CB8AC3E}">
-        <p14:creationId xmlns:p14="http://schemas.microsoft.com/office/powerpoint/2010/main" val="725764672"/>
       </p:ext>
     </p:extLst>
   </p:cSld>
@@ -14690,6 +14648,1423 @@
 </file>
 
 <file path=ppt/slides/slide20.xml><?xml version="1.0" encoding="utf-8"?>
+<p:sld xmlns:a="http://schemas.openxmlformats.org/drawingml/2006/main" xmlns:r="http://schemas.openxmlformats.org/officeDocument/2006/relationships" xmlns:p="http://schemas.openxmlformats.org/presentationml/2006/main">
+  <p:cSld>
+    <p:spTree>
+      <p:nvGrpSpPr>
+        <p:cNvPr id="1" name=""/>
+        <p:cNvGrpSpPr/>
+        <p:nvPr/>
+      </p:nvGrpSpPr>
+      <p:grpSpPr>
+        <a:xfrm>
+          <a:off x="0" y="0"/>
+          <a:ext cx="0" cy="0"/>
+          <a:chOff x="0" y="0"/>
+          <a:chExt cx="0" cy="0"/>
+        </a:xfrm>
+      </p:grpSpPr>
+      <p:grpSp>
+        <p:nvGrpSpPr>
+          <p:cNvPr id="2" name="淘宝店chenying0907 1"/>
+          <p:cNvGrpSpPr/>
+          <p:nvPr/>
+        </p:nvGrpSpPr>
+        <p:grpSpPr>
+          <a:xfrm>
+            <a:off x="2937998" y="205130"/>
+            <a:ext cx="6316003" cy="1142452"/>
+            <a:chOff x="2937998" y="205130"/>
+            <a:chExt cx="6316003" cy="1142452"/>
+          </a:xfrm>
+        </p:grpSpPr>
+        <p:sp>
+          <p:nvSpPr>
+            <p:cNvPr id="5" name="文本框 4"/>
+            <p:cNvSpPr txBox="1"/>
+            <p:nvPr/>
+          </p:nvSpPr>
+          <p:spPr>
+            <a:xfrm>
+              <a:off x="5618957" y="885917"/>
+              <a:ext cx="954107" cy="461665"/>
+            </a:xfrm>
+            <a:prstGeom prst="rect">
+              <a:avLst/>
+            </a:prstGeom>
+            <a:noFill/>
+          </p:spPr>
+          <p:txBody>
+            <a:bodyPr wrap="none" rtlCol="0">
+              <a:spAutoFit/>
+            </a:bodyPr>
+            <a:lstStyle/>
+            <a:p>
+              <a:pPr algn="ctr"/>
+              <a:r>
+                <a:rPr lang="zh-CN" altLang="en-US" sz="2400" spc="600" dirty="0" smtClean="0">
+                  <a:solidFill>
+                    <a:schemeClr val="accent1"/>
+                  </a:solidFill>
+                  <a:latin typeface="方正清刻本悦宋简体" panose="02000000000000000000" pitchFamily="2" charset="-122"/>
+                  <a:ea typeface="方正清刻本悦宋简体" panose="02000000000000000000" pitchFamily="2" charset="-122"/>
+                </a:rPr>
+                <a:t>分工</a:t>
+              </a:r>
+              <a:endParaRPr lang="zh-CN" altLang="en-US" sz="2400" spc="600" dirty="0">
+                <a:solidFill>
+                  <a:schemeClr val="accent1"/>
+                </a:solidFill>
+                <a:latin typeface="方正清刻本悦宋简体" panose="02000000000000000000" pitchFamily="2" charset="-122"/>
+                <a:ea typeface="方正清刻本悦宋简体" panose="02000000000000000000" pitchFamily="2" charset="-122"/>
+              </a:endParaRPr>
+            </a:p>
+          </p:txBody>
+        </p:sp>
+        <p:pic>
+          <p:nvPicPr>
+            <p:cNvPr id="4" name="图片 3"/>
+            <p:cNvPicPr>
+              <a:picLocks noChangeAspect="1"/>
+            </p:cNvPicPr>
+            <p:nvPr/>
+          </p:nvPicPr>
+          <p:blipFill rotWithShape="1">
+            <a:blip r:embed="rId2" cstate="print">
+              <a:extLst>
+                <a:ext uri="{28A0092B-C50C-407E-A947-70E740481C1C}">
+                  <a14:useLocalDpi xmlns:a14="http://schemas.microsoft.com/office/drawing/2010/main" val="0"/>
+                </a:ext>
+              </a:extLst>
+            </a:blip>
+            <a:srcRect t="1" b="9498"/>
+            <a:stretch>
+              <a:fillRect/>
+            </a:stretch>
+          </p:blipFill>
+          <p:spPr>
+            <a:xfrm>
+              <a:off x="2937998" y="205130"/>
+              <a:ext cx="6316003" cy="325529"/>
+            </a:xfrm>
+            <a:prstGeom prst="rect">
+              <a:avLst/>
+            </a:prstGeom>
+          </p:spPr>
+        </p:pic>
+      </p:grpSp>
+      <p:grpSp>
+        <p:nvGrpSpPr>
+          <p:cNvPr id="24" name="Group 8"/>
+          <p:cNvGrpSpPr>
+            <a:grpSpLocks noChangeAspect="1"/>
+          </p:cNvGrpSpPr>
+          <p:nvPr/>
+        </p:nvGrpSpPr>
+        <p:grpSpPr bwMode="auto">
+          <a:xfrm>
+            <a:off x="1155794" y="1443767"/>
+            <a:ext cx="9701989" cy="286303"/>
+            <a:chOff x="2620" y="2053"/>
+            <a:chExt cx="6913" cy="204"/>
+          </a:xfrm>
+          <a:solidFill>
+            <a:schemeClr val="accent1"/>
+          </a:solidFill>
+        </p:grpSpPr>
+        <p:sp>
+          <p:nvSpPr>
+            <p:cNvPr id="25" name="Freeform 9"/>
+            <p:cNvSpPr/>
+            <p:nvPr/>
+          </p:nvSpPr>
+          <p:spPr bwMode="auto">
+            <a:xfrm>
+              <a:off x="2620" y="2053"/>
+              <a:ext cx="169" cy="204"/>
+            </a:xfrm>
+            <a:custGeom>
+              <a:avLst/>
+              <a:gdLst>
+                <a:gd name="T0" fmla="*/ 0 w 71"/>
+                <a:gd name="T1" fmla="*/ 43 h 83"/>
+                <a:gd name="T2" fmla="*/ 29 w 71"/>
+                <a:gd name="T3" fmla="*/ 36 h 83"/>
+                <a:gd name="T4" fmla="*/ 38 w 71"/>
+                <a:gd name="T5" fmla="*/ 39 h 83"/>
+                <a:gd name="T6" fmla="*/ 34 w 71"/>
+                <a:gd name="T7" fmla="*/ 17 h 83"/>
+                <a:gd name="T8" fmla="*/ 63 w 71"/>
+                <a:gd name="T9" fmla="*/ 8 h 83"/>
+                <a:gd name="T10" fmla="*/ 66 w 71"/>
+                <a:gd name="T11" fmla="*/ 26 h 83"/>
+                <a:gd name="T12" fmla="*/ 63 w 71"/>
+                <a:gd name="T13" fmla="*/ 31 h 83"/>
+                <a:gd name="T14" fmla="*/ 53 w 71"/>
+                <a:gd name="T15" fmla="*/ 32 h 83"/>
+                <a:gd name="T16" fmla="*/ 51 w 71"/>
+                <a:gd name="T17" fmla="*/ 23 h 83"/>
+                <a:gd name="T18" fmla="*/ 61 w 71"/>
+                <a:gd name="T19" fmla="*/ 21 h 83"/>
+                <a:gd name="T20" fmla="*/ 64 w 71"/>
+                <a:gd name="T21" fmla="*/ 23 h 83"/>
+                <a:gd name="T22" fmla="*/ 56 w 71"/>
+                <a:gd name="T23" fmla="*/ 8 h 83"/>
+                <a:gd name="T24" fmla="*/ 36 w 71"/>
+                <a:gd name="T25" fmla="*/ 21 h 83"/>
+                <a:gd name="T26" fmla="*/ 49 w 71"/>
+                <a:gd name="T27" fmla="*/ 41 h 83"/>
+                <a:gd name="T28" fmla="*/ 55 w 71"/>
+                <a:gd name="T29" fmla="*/ 42 h 83"/>
+                <a:gd name="T30" fmla="*/ 55 w 71"/>
+                <a:gd name="T31" fmla="*/ 44 h 83"/>
+                <a:gd name="T32" fmla="*/ 48 w 71"/>
+                <a:gd name="T33" fmla="*/ 46 h 83"/>
+                <a:gd name="T34" fmla="*/ 36 w 71"/>
+                <a:gd name="T35" fmla="*/ 65 h 83"/>
+                <a:gd name="T36" fmla="*/ 53 w 71"/>
+                <a:gd name="T37" fmla="*/ 80 h 83"/>
+                <a:gd name="T38" fmla="*/ 64 w 71"/>
+                <a:gd name="T39" fmla="*/ 64 h 83"/>
+                <a:gd name="T40" fmla="*/ 61 w 71"/>
+                <a:gd name="T41" fmla="*/ 66 h 83"/>
+                <a:gd name="T42" fmla="*/ 51 w 71"/>
+                <a:gd name="T43" fmla="*/ 64 h 83"/>
+                <a:gd name="T44" fmla="*/ 53 w 71"/>
+                <a:gd name="T45" fmla="*/ 55 h 83"/>
+                <a:gd name="T46" fmla="*/ 63 w 71"/>
+                <a:gd name="T47" fmla="*/ 56 h 83"/>
+                <a:gd name="T48" fmla="*/ 67 w 71"/>
+                <a:gd name="T49" fmla="*/ 74 h 83"/>
+                <a:gd name="T50" fmla="*/ 51 w 71"/>
+                <a:gd name="T51" fmla="*/ 83 h 83"/>
+                <a:gd name="T52" fmla="*/ 35 w 71"/>
+                <a:gd name="T53" fmla="*/ 72 h 83"/>
+                <a:gd name="T54" fmla="*/ 39 w 71"/>
+                <a:gd name="T55" fmla="*/ 48 h 83"/>
+                <a:gd name="T56" fmla="*/ 28 w 71"/>
+                <a:gd name="T57" fmla="*/ 52 h 83"/>
+                <a:gd name="T58" fmla="*/ 4 w 71"/>
+                <a:gd name="T59" fmla="*/ 47 h 83"/>
+                <a:gd name="T60" fmla="*/ 0 w 71"/>
+                <a:gd name="T61" fmla="*/ 44 h 83"/>
+                <a:gd name="T62" fmla="*/ 0 w 71"/>
+                <a:gd name="T63" fmla="*/ 43 h 83"/>
+              </a:gdLst>
+              <a:ahLst/>
+              <a:cxnLst>
+                <a:cxn ang="0">
+                  <a:pos x="T0" y="T1"/>
+                </a:cxn>
+                <a:cxn ang="0">
+                  <a:pos x="T2" y="T3"/>
+                </a:cxn>
+                <a:cxn ang="0">
+                  <a:pos x="T4" y="T5"/>
+                </a:cxn>
+                <a:cxn ang="0">
+                  <a:pos x="T6" y="T7"/>
+                </a:cxn>
+                <a:cxn ang="0">
+                  <a:pos x="T8" y="T9"/>
+                </a:cxn>
+                <a:cxn ang="0">
+                  <a:pos x="T10" y="T11"/>
+                </a:cxn>
+                <a:cxn ang="0">
+                  <a:pos x="T12" y="T13"/>
+                </a:cxn>
+                <a:cxn ang="0">
+                  <a:pos x="T14" y="T15"/>
+                </a:cxn>
+                <a:cxn ang="0">
+                  <a:pos x="T16" y="T17"/>
+                </a:cxn>
+                <a:cxn ang="0">
+                  <a:pos x="T18" y="T19"/>
+                </a:cxn>
+                <a:cxn ang="0">
+                  <a:pos x="T20" y="T21"/>
+                </a:cxn>
+                <a:cxn ang="0">
+                  <a:pos x="T22" y="T23"/>
+                </a:cxn>
+                <a:cxn ang="0">
+                  <a:pos x="T24" y="T25"/>
+                </a:cxn>
+                <a:cxn ang="0">
+                  <a:pos x="T26" y="T27"/>
+                </a:cxn>
+                <a:cxn ang="0">
+                  <a:pos x="T28" y="T29"/>
+                </a:cxn>
+                <a:cxn ang="0">
+                  <a:pos x="T30" y="T31"/>
+                </a:cxn>
+                <a:cxn ang="0">
+                  <a:pos x="T32" y="T33"/>
+                </a:cxn>
+                <a:cxn ang="0">
+                  <a:pos x="T34" y="T35"/>
+                </a:cxn>
+                <a:cxn ang="0">
+                  <a:pos x="T36" y="T37"/>
+                </a:cxn>
+                <a:cxn ang="0">
+                  <a:pos x="T38" y="T39"/>
+                </a:cxn>
+                <a:cxn ang="0">
+                  <a:pos x="T40" y="T41"/>
+                </a:cxn>
+                <a:cxn ang="0">
+                  <a:pos x="T42" y="T43"/>
+                </a:cxn>
+                <a:cxn ang="0">
+                  <a:pos x="T44" y="T45"/>
+                </a:cxn>
+                <a:cxn ang="0">
+                  <a:pos x="T46" y="T47"/>
+                </a:cxn>
+                <a:cxn ang="0">
+                  <a:pos x="T48" y="T49"/>
+                </a:cxn>
+                <a:cxn ang="0">
+                  <a:pos x="T50" y="T51"/>
+                </a:cxn>
+                <a:cxn ang="0">
+                  <a:pos x="T52" y="T53"/>
+                </a:cxn>
+                <a:cxn ang="0">
+                  <a:pos x="T54" y="T55"/>
+                </a:cxn>
+                <a:cxn ang="0">
+                  <a:pos x="T56" y="T57"/>
+                </a:cxn>
+                <a:cxn ang="0">
+                  <a:pos x="T58" y="T59"/>
+                </a:cxn>
+                <a:cxn ang="0">
+                  <a:pos x="T60" y="T61"/>
+                </a:cxn>
+                <a:cxn ang="0">
+                  <a:pos x="T62" y="T63"/>
+                </a:cxn>
+              </a:cxnLst>
+              <a:rect l="0" t="0" r="r" b="b"/>
+              <a:pathLst>
+                <a:path w="71" h="83">
+                  <a:moveTo>
+                    <a:pt x="0" y="43"/>
+                  </a:moveTo>
+                  <a:cubicBezTo>
+                    <a:pt x="9" y="37"/>
+                    <a:pt x="18" y="32"/>
+                    <a:pt x="29" y="36"/>
+                  </a:cubicBezTo>
+                  <a:cubicBezTo>
+                    <a:pt x="32" y="36"/>
+                    <a:pt x="35" y="38"/>
+                    <a:pt x="38" y="39"/>
+                  </a:cubicBezTo>
+                  <a:cubicBezTo>
+                    <a:pt x="33" y="32"/>
+                    <a:pt x="31" y="25"/>
+                    <a:pt x="34" y="17"/>
+                  </a:cubicBezTo>
+                  <a:cubicBezTo>
+                    <a:pt x="38" y="5"/>
+                    <a:pt x="53" y="0"/>
+                    <a:pt x="63" y="8"/>
+                  </a:cubicBezTo>
+                  <a:cubicBezTo>
+                    <a:pt x="69" y="13"/>
+                    <a:pt x="70" y="20"/>
+                    <a:pt x="66" y="26"/>
+                  </a:cubicBezTo>
+                  <a:cubicBezTo>
+                    <a:pt x="65" y="28"/>
+                    <a:pt x="64" y="29"/>
+                    <a:pt x="63" y="31"/>
+                  </a:cubicBezTo>
+                  <a:cubicBezTo>
+                    <a:pt x="60" y="34"/>
+                    <a:pt x="56" y="35"/>
+                    <a:pt x="53" y="32"/>
+                  </a:cubicBezTo>
+                  <a:cubicBezTo>
+                    <a:pt x="50" y="30"/>
+                    <a:pt x="49" y="26"/>
+                    <a:pt x="51" y="23"/>
+                  </a:cubicBezTo>
+                  <a:cubicBezTo>
+                    <a:pt x="53" y="20"/>
+                    <a:pt x="57" y="19"/>
+                    <a:pt x="61" y="21"/>
+                  </a:cubicBezTo>
+                  <a:cubicBezTo>
+                    <a:pt x="62" y="21"/>
+                    <a:pt x="63" y="22"/>
+                    <a:pt x="64" y="23"/>
+                  </a:cubicBezTo>
+                  <a:cubicBezTo>
+                    <a:pt x="67" y="16"/>
+                    <a:pt x="63" y="10"/>
+                    <a:pt x="56" y="8"/>
+                  </a:cubicBezTo>
+                  <a:cubicBezTo>
+                    <a:pt x="47" y="5"/>
+                    <a:pt x="38" y="11"/>
+                    <a:pt x="36" y="21"/>
+                  </a:cubicBezTo>
+                  <a:cubicBezTo>
+                    <a:pt x="34" y="31"/>
+                    <a:pt x="39" y="40"/>
+                    <a:pt x="49" y="41"/>
+                  </a:cubicBezTo>
+                  <a:cubicBezTo>
+                    <a:pt x="51" y="42"/>
+                    <a:pt x="53" y="42"/>
+                    <a:pt x="55" y="42"/>
+                  </a:cubicBezTo>
+                  <a:cubicBezTo>
+                    <a:pt x="55" y="43"/>
+                    <a:pt x="55" y="43"/>
+                    <a:pt x="55" y="44"/>
+                  </a:cubicBezTo>
+                  <a:cubicBezTo>
+                    <a:pt x="53" y="45"/>
+                    <a:pt x="50" y="45"/>
+                    <a:pt x="48" y="46"/>
+                  </a:cubicBezTo>
+                  <a:cubicBezTo>
+                    <a:pt x="39" y="48"/>
+                    <a:pt x="34" y="55"/>
+                    <a:pt x="36" y="65"/>
+                  </a:cubicBezTo>
+                  <a:cubicBezTo>
+                    <a:pt x="37" y="74"/>
+                    <a:pt x="44" y="80"/>
+                    <a:pt x="53" y="80"/>
+                  </a:cubicBezTo>
+                  <a:cubicBezTo>
+                    <a:pt x="62" y="79"/>
+                    <a:pt x="68" y="70"/>
+                    <a:pt x="64" y="64"/>
+                  </a:cubicBezTo>
+                  <a:cubicBezTo>
+                    <a:pt x="63" y="65"/>
+                    <a:pt x="62" y="66"/>
+                    <a:pt x="61" y="66"/>
+                  </a:cubicBezTo>
+                  <a:cubicBezTo>
+                    <a:pt x="58" y="68"/>
+                    <a:pt x="53" y="67"/>
+                    <a:pt x="51" y="64"/>
+                  </a:cubicBezTo>
+                  <a:cubicBezTo>
+                    <a:pt x="49" y="61"/>
+                    <a:pt x="50" y="57"/>
+                    <a:pt x="53" y="55"/>
+                  </a:cubicBezTo>
+                  <a:cubicBezTo>
+                    <a:pt x="55" y="53"/>
+                    <a:pt x="60" y="53"/>
+                    <a:pt x="63" y="56"/>
+                  </a:cubicBezTo>
+                  <a:cubicBezTo>
+                    <a:pt x="67" y="61"/>
+                    <a:pt x="71" y="66"/>
+                    <a:pt x="67" y="74"/>
+                  </a:cubicBezTo>
+                  <a:cubicBezTo>
+                    <a:pt x="64" y="80"/>
+                    <a:pt x="58" y="83"/>
+                    <a:pt x="51" y="83"/>
+                  </a:cubicBezTo>
+                  <a:cubicBezTo>
+                    <a:pt x="43" y="83"/>
+                    <a:pt x="38" y="79"/>
+                    <a:pt x="35" y="72"/>
+                  </a:cubicBezTo>
+                  <a:cubicBezTo>
+                    <a:pt x="31" y="63"/>
+                    <a:pt x="32" y="55"/>
+                    <a:pt x="39" y="48"/>
+                  </a:cubicBezTo>
+                  <a:cubicBezTo>
+                    <a:pt x="35" y="49"/>
+                    <a:pt x="32" y="51"/>
+                    <a:pt x="28" y="52"/>
+                  </a:cubicBezTo>
+                  <a:cubicBezTo>
+                    <a:pt x="19" y="54"/>
+                    <a:pt x="11" y="51"/>
+                    <a:pt x="4" y="47"/>
+                  </a:cubicBezTo>
+                  <a:cubicBezTo>
+                    <a:pt x="3" y="46"/>
+                    <a:pt x="1" y="45"/>
+                    <a:pt x="0" y="44"/>
+                  </a:cubicBezTo>
+                  <a:cubicBezTo>
+                    <a:pt x="0" y="44"/>
+                    <a:pt x="0" y="44"/>
+                    <a:pt x="0" y="43"/>
+                  </a:cubicBezTo>
+                  <a:close/>
+                </a:path>
+              </a:pathLst>
+            </a:custGeom>
+            <a:grpFill/>
+            <a:ln>
+              <a:noFill/>
+            </a:ln>
+            <a:extLst>
+              <a:ext uri="{91240B29-F687-4F45-9708-019B960494DF}">
+                <a14:hiddenLine xmlns:a14="http://schemas.microsoft.com/office/drawing/2010/main" w="9525">
+                  <a:solidFill>
+                    <a:srgbClr val="000000"/>
+                  </a:solidFill>
+                  <a:round/>
+                </a14:hiddenLine>
+              </a:ext>
+            </a:extLst>
+          </p:spPr>
+          <p:txBody>
+            <a:bodyPr vert="horz" wrap="square" lIns="91440" tIns="45720" rIns="91440" bIns="45720" numCol="1" anchor="t" anchorCtr="0" compatLnSpc="1"/>
+            <a:lstStyle/>
+            <a:p>
+              <a:endParaRPr lang="zh-CN" altLang="en-US"/>
+            </a:p>
+          </p:txBody>
+        </p:sp>
+        <p:sp>
+          <p:nvSpPr>
+            <p:cNvPr id="26" name="Freeform 10"/>
+            <p:cNvSpPr/>
+            <p:nvPr/>
+          </p:nvSpPr>
+          <p:spPr bwMode="auto">
+            <a:xfrm flipV="1">
+              <a:off x="2780" y="2138"/>
+              <a:ext cx="6593" cy="33"/>
+            </a:xfrm>
+            <a:custGeom>
+              <a:avLst/>
+              <a:gdLst>
+                <a:gd name="T0" fmla="*/ 25 w 910"/>
+                <a:gd name="T1" fmla="*/ 0 h 13"/>
+                <a:gd name="T2" fmla="*/ 114 w 910"/>
+                <a:gd name="T3" fmla="*/ 4 h 13"/>
+                <a:gd name="T4" fmla="*/ 147 w 910"/>
+                <a:gd name="T5" fmla="*/ 5 h 13"/>
+                <a:gd name="T6" fmla="*/ 744 w 910"/>
+                <a:gd name="T7" fmla="*/ 5 h 13"/>
+                <a:gd name="T8" fmla="*/ 862 w 910"/>
+                <a:gd name="T9" fmla="*/ 1 h 13"/>
+                <a:gd name="T10" fmla="*/ 902 w 910"/>
+                <a:gd name="T11" fmla="*/ 0 h 13"/>
+                <a:gd name="T12" fmla="*/ 910 w 910"/>
+                <a:gd name="T13" fmla="*/ 7 h 13"/>
+                <a:gd name="T14" fmla="*/ 902 w 910"/>
+                <a:gd name="T15" fmla="*/ 13 h 13"/>
+                <a:gd name="T16" fmla="*/ 812 w 910"/>
+                <a:gd name="T17" fmla="*/ 10 h 13"/>
+                <a:gd name="T18" fmla="*/ 699 w 910"/>
+                <a:gd name="T19" fmla="*/ 8 h 13"/>
+                <a:gd name="T20" fmla="*/ 334 w 910"/>
+                <a:gd name="T21" fmla="*/ 8 h 13"/>
+                <a:gd name="T22" fmla="*/ 50 w 910"/>
+                <a:gd name="T23" fmla="*/ 12 h 13"/>
+                <a:gd name="T24" fmla="*/ 9 w 910"/>
+                <a:gd name="T25" fmla="*/ 13 h 13"/>
+                <a:gd name="T26" fmla="*/ 1 w 910"/>
+                <a:gd name="T27" fmla="*/ 6 h 13"/>
+                <a:gd name="T28" fmla="*/ 8 w 910"/>
+                <a:gd name="T29" fmla="*/ 0 h 13"/>
+                <a:gd name="T30" fmla="*/ 25 w 910"/>
+                <a:gd name="T31" fmla="*/ 0 h 13"/>
+              </a:gdLst>
+              <a:ahLst/>
+              <a:cxnLst>
+                <a:cxn ang="0">
+                  <a:pos x="T0" y="T1"/>
+                </a:cxn>
+                <a:cxn ang="0">
+                  <a:pos x="T2" y="T3"/>
+                </a:cxn>
+                <a:cxn ang="0">
+                  <a:pos x="T4" y="T5"/>
+                </a:cxn>
+                <a:cxn ang="0">
+                  <a:pos x="T6" y="T7"/>
+                </a:cxn>
+                <a:cxn ang="0">
+                  <a:pos x="T8" y="T9"/>
+                </a:cxn>
+                <a:cxn ang="0">
+                  <a:pos x="T10" y="T11"/>
+                </a:cxn>
+                <a:cxn ang="0">
+                  <a:pos x="T12" y="T13"/>
+                </a:cxn>
+                <a:cxn ang="0">
+                  <a:pos x="T14" y="T15"/>
+                </a:cxn>
+                <a:cxn ang="0">
+                  <a:pos x="T16" y="T17"/>
+                </a:cxn>
+                <a:cxn ang="0">
+                  <a:pos x="T18" y="T19"/>
+                </a:cxn>
+                <a:cxn ang="0">
+                  <a:pos x="T20" y="T21"/>
+                </a:cxn>
+                <a:cxn ang="0">
+                  <a:pos x="T22" y="T23"/>
+                </a:cxn>
+                <a:cxn ang="0">
+                  <a:pos x="T24" y="T25"/>
+                </a:cxn>
+                <a:cxn ang="0">
+                  <a:pos x="T26" y="T27"/>
+                </a:cxn>
+                <a:cxn ang="0">
+                  <a:pos x="T28" y="T29"/>
+                </a:cxn>
+                <a:cxn ang="0">
+                  <a:pos x="T30" y="T31"/>
+                </a:cxn>
+              </a:cxnLst>
+              <a:rect l="0" t="0" r="r" b="b"/>
+              <a:pathLst>
+                <a:path w="910" h="13">
+                  <a:moveTo>
+                    <a:pt x="25" y="0"/>
+                  </a:moveTo>
+                  <a:cubicBezTo>
+                    <a:pt x="55" y="1"/>
+                    <a:pt x="84" y="3"/>
+                    <a:pt x="114" y="4"/>
+                  </a:cubicBezTo>
+                  <a:cubicBezTo>
+                    <a:pt x="125" y="4"/>
+                    <a:pt x="136" y="5"/>
+                    <a:pt x="147" y="5"/>
+                  </a:cubicBezTo>
+                  <a:cubicBezTo>
+                    <a:pt x="346" y="5"/>
+                    <a:pt x="545" y="5"/>
+                    <a:pt x="744" y="5"/>
+                  </a:cubicBezTo>
+                  <a:cubicBezTo>
+                    <a:pt x="783" y="5"/>
+                    <a:pt x="822" y="2"/>
+                    <a:pt x="862" y="1"/>
+                  </a:cubicBezTo>
+                  <a:cubicBezTo>
+                    <a:pt x="875" y="0"/>
+                    <a:pt x="889" y="0"/>
+                    <a:pt x="902" y="0"/>
+                  </a:cubicBezTo>
+                  <a:cubicBezTo>
+                    <a:pt x="907" y="0"/>
+                    <a:pt x="910" y="2"/>
+                    <a:pt x="910" y="7"/>
+                  </a:cubicBezTo>
+                  <a:cubicBezTo>
+                    <a:pt x="910" y="11"/>
+                    <a:pt x="907" y="13"/>
+                    <a:pt x="902" y="13"/>
+                  </a:cubicBezTo>
+                  <a:cubicBezTo>
+                    <a:pt x="872" y="12"/>
+                    <a:pt x="842" y="11"/>
+                    <a:pt x="812" y="10"/>
+                  </a:cubicBezTo>
+                  <a:cubicBezTo>
+                    <a:pt x="775" y="9"/>
+                    <a:pt x="737" y="8"/>
+                    <a:pt x="699" y="8"/>
+                  </a:cubicBezTo>
+                  <a:cubicBezTo>
+                    <a:pt x="578" y="8"/>
+                    <a:pt x="456" y="8"/>
+                    <a:pt x="334" y="8"/>
+                  </a:cubicBezTo>
+                  <a:cubicBezTo>
+                    <a:pt x="240" y="9"/>
+                    <a:pt x="145" y="6"/>
+                    <a:pt x="50" y="12"/>
+                  </a:cubicBezTo>
+                  <a:cubicBezTo>
+                    <a:pt x="36" y="13"/>
+                    <a:pt x="23" y="13"/>
+                    <a:pt x="9" y="13"/>
+                  </a:cubicBezTo>
+                  <a:cubicBezTo>
+                    <a:pt x="4" y="13"/>
+                    <a:pt x="0" y="10"/>
+                    <a:pt x="1" y="6"/>
+                  </a:cubicBezTo>
+                  <a:cubicBezTo>
+                    <a:pt x="1" y="2"/>
+                    <a:pt x="3" y="0"/>
+                    <a:pt x="8" y="0"/>
+                  </a:cubicBezTo>
+                  <a:cubicBezTo>
+                    <a:pt x="14" y="0"/>
+                    <a:pt x="20" y="0"/>
+                    <a:pt x="25" y="0"/>
+                  </a:cubicBezTo>
+                  <a:close/>
+                </a:path>
+              </a:pathLst>
+            </a:custGeom>
+            <a:grpFill/>
+            <a:ln>
+              <a:noFill/>
+            </a:ln>
+            <a:extLst>
+              <a:ext uri="{91240B29-F687-4F45-9708-019B960494DF}">
+                <a14:hiddenLine xmlns:a14="http://schemas.microsoft.com/office/drawing/2010/main" w="9525">
+                  <a:solidFill>
+                    <a:srgbClr val="000000"/>
+                  </a:solidFill>
+                  <a:round/>
+                </a14:hiddenLine>
+              </a:ext>
+            </a:extLst>
+          </p:spPr>
+          <p:txBody>
+            <a:bodyPr vert="horz" wrap="square" lIns="91440" tIns="45720" rIns="91440" bIns="45720" numCol="1" anchor="t" anchorCtr="0" compatLnSpc="1"/>
+            <a:lstStyle/>
+            <a:p>
+              <a:endParaRPr lang="zh-CN" altLang="en-US"/>
+            </a:p>
+          </p:txBody>
+        </p:sp>
+        <p:sp>
+          <p:nvSpPr>
+            <p:cNvPr id="27" name="Freeform 11"/>
+            <p:cNvSpPr/>
+            <p:nvPr/>
+          </p:nvSpPr>
+          <p:spPr bwMode="auto">
+            <a:xfrm>
+              <a:off x="9365" y="2055"/>
+              <a:ext cx="168" cy="199"/>
+            </a:xfrm>
+            <a:custGeom>
+              <a:avLst/>
+              <a:gdLst>
+                <a:gd name="T0" fmla="*/ 17 w 71"/>
+                <a:gd name="T1" fmla="*/ 40 h 81"/>
+                <a:gd name="T2" fmla="*/ 23 w 71"/>
+                <a:gd name="T3" fmla="*/ 38 h 81"/>
+                <a:gd name="T4" fmla="*/ 35 w 71"/>
+                <a:gd name="T5" fmla="*/ 16 h 81"/>
+                <a:gd name="T6" fmla="*/ 15 w 71"/>
+                <a:gd name="T7" fmla="*/ 5 h 81"/>
+                <a:gd name="T8" fmla="*/ 8 w 71"/>
+                <a:gd name="T9" fmla="*/ 20 h 81"/>
+                <a:gd name="T10" fmla="*/ 10 w 71"/>
+                <a:gd name="T11" fmla="*/ 18 h 81"/>
+                <a:gd name="T12" fmla="*/ 20 w 71"/>
+                <a:gd name="T13" fmla="*/ 20 h 81"/>
+                <a:gd name="T14" fmla="*/ 19 w 71"/>
+                <a:gd name="T15" fmla="*/ 29 h 81"/>
+                <a:gd name="T16" fmla="*/ 9 w 71"/>
+                <a:gd name="T17" fmla="*/ 28 h 81"/>
+                <a:gd name="T18" fmla="*/ 5 w 71"/>
+                <a:gd name="T19" fmla="*/ 9 h 81"/>
+                <a:gd name="T20" fmla="*/ 23 w 71"/>
+                <a:gd name="T21" fmla="*/ 1 h 81"/>
+                <a:gd name="T22" fmla="*/ 38 w 71"/>
+                <a:gd name="T23" fmla="*/ 16 h 81"/>
+                <a:gd name="T24" fmla="*/ 34 w 71"/>
+                <a:gd name="T25" fmla="*/ 36 h 81"/>
+                <a:gd name="T26" fmla="*/ 71 w 71"/>
+                <a:gd name="T27" fmla="*/ 40 h 81"/>
+                <a:gd name="T28" fmla="*/ 33 w 71"/>
+                <a:gd name="T29" fmla="*/ 45 h 81"/>
+                <a:gd name="T30" fmla="*/ 38 w 71"/>
+                <a:gd name="T31" fmla="*/ 64 h 81"/>
+                <a:gd name="T32" fmla="*/ 27 w 71"/>
+                <a:gd name="T33" fmla="*/ 79 h 81"/>
+                <a:gd name="T34" fmla="*/ 8 w 71"/>
+                <a:gd name="T35" fmla="*/ 76 h 81"/>
+                <a:gd name="T36" fmla="*/ 5 w 71"/>
+                <a:gd name="T37" fmla="*/ 58 h 81"/>
+                <a:gd name="T38" fmla="*/ 8 w 71"/>
+                <a:gd name="T39" fmla="*/ 54 h 81"/>
+                <a:gd name="T40" fmla="*/ 18 w 71"/>
+                <a:gd name="T41" fmla="*/ 52 h 81"/>
+                <a:gd name="T42" fmla="*/ 20 w 71"/>
+                <a:gd name="T43" fmla="*/ 62 h 81"/>
+                <a:gd name="T44" fmla="*/ 9 w 71"/>
+                <a:gd name="T45" fmla="*/ 62 h 81"/>
+                <a:gd name="T46" fmla="*/ 8 w 71"/>
+                <a:gd name="T47" fmla="*/ 60 h 81"/>
+                <a:gd name="T48" fmla="*/ 13 w 71"/>
+                <a:gd name="T49" fmla="*/ 76 h 81"/>
+                <a:gd name="T50" fmla="*/ 36 w 71"/>
+                <a:gd name="T51" fmla="*/ 63 h 81"/>
+                <a:gd name="T52" fmla="*/ 21 w 71"/>
+                <a:gd name="T53" fmla="*/ 42 h 81"/>
+                <a:gd name="T54" fmla="*/ 17 w 71"/>
+                <a:gd name="T55" fmla="*/ 41 h 81"/>
+                <a:gd name="T56" fmla="*/ 17 w 71"/>
+                <a:gd name="T57" fmla="*/ 40 h 81"/>
+              </a:gdLst>
+              <a:ahLst/>
+              <a:cxnLst>
+                <a:cxn ang="0">
+                  <a:pos x="T0" y="T1"/>
+                </a:cxn>
+                <a:cxn ang="0">
+                  <a:pos x="T2" y="T3"/>
+                </a:cxn>
+                <a:cxn ang="0">
+                  <a:pos x="T4" y="T5"/>
+                </a:cxn>
+                <a:cxn ang="0">
+                  <a:pos x="T6" y="T7"/>
+                </a:cxn>
+                <a:cxn ang="0">
+                  <a:pos x="T8" y="T9"/>
+                </a:cxn>
+                <a:cxn ang="0">
+                  <a:pos x="T10" y="T11"/>
+                </a:cxn>
+                <a:cxn ang="0">
+                  <a:pos x="T12" y="T13"/>
+                </a:cxn>
+                <a:cxn ang="0">
+                  <a:pos x="T14" y="T15"/>
+                </a:cxn>
+                <a:cxn ang="0">
+                  <a:pos x="T16" y="T17"/>
+                </a:cxn>
+                <a:cxn ang="0">
+                  <a:pos x="T18" y="T19"/>
+                </a:cxn>
+                <a:cxn ang="0">
+                  <a:pos x="T20" y="T21"/>
+                </a:cxn>
+                <a:cxn ang="0">
+                  <a:pos x="T22" y="T23"/>
+                </a:cxn>
+                <a:cxn ang="0">
+                  <a:pos x="T24" y="T25"/>
+                </a:cxn>
+                <a:cxn ang="0">
+                  <a:pos x="T26" y="T27"/>
+                </a:cxn>
+                <a:cxn ang="0">
+                  <a:pos x="T28" y="T29"/>
+                </a:cxn>
+                <a:cxn ang="0">
+                  <a:pos x="T30" y="T31"/>
+                </a:cxn>
+                <a:cxn ang="0">
+                  <a:pos x="T32" y="T33"/>
+                </a:cxn>
+                <a:cxn ang="0">
+                  <a:pos x="T34" y="T35"/>
+                </a:cxn>
+                <a:cxn ang="0">
+                  <a:pos x="T36" y="T37"/>
+                </a:cxn>
+                <a:cxn ang="0">
+                  <a:pos x="T38" y="T39"/>
+                </a:cxn>
+                <a:cxn ang="0">
+                  <a:pos x="T40" y="T41"/>
+                </a:cxn>
+                <a:cxn ang="0">
+                  <a:pos x="T42" y="T43"/>
+                </a:cxn>
+                <a:cxn ang="0">
+                  <a:pos x="T44" y="T45"/>
+                </a:cxn>
+                <a:cxn ang="0">
+                  <a:pos x="T46" y="T47"/>
+                </a:cxn>
+                <a:cxn ang="0">
+                  <a:pos x="T48" y="T49"/>
+                </a:cxn>
+                <a:cxn ang="0">
+                  <a:pos x="T50" y="T51"/>
+                </a:cxn>
+                <a:cxn ang="0">
+                  <a:pos x="T52" y="T53"/>
+                </a:cxn>
+                <a:cxn ang="0">
+                  <a:pos x="T54" y="T55"/>
+                </a:cxn>
+                <a:cxn ang="0">
+                  <a:pos x="T56" y="T57"/>
+                </a:cxn>
+              </a:cxnLst>
+              <a:rect l="0" t="0" r="r" b="b"/>
+              <a:pathLst>
+                <a:path w="71" h="81">
+                  <a:moveTo>
+                    <a:pt x="17" y="40"/>
+                  </a:moveTo>
+                  <a:cubicBezTo>
+                    <a:pt x="19" y="39"/>
+                    <a:pt x="21" y="39"/>
+                    <a:pt x="23" y="38"/>
+                  </a:cubicBezTo>
+                  <a:cubicBezTo>
+                    <a:pt x="35" y="36"/>
+                    <a:pt x="37" y="26"/>
+                    <a:pt x="35" y="16"/>
+                  </a:cubicBezTo>
+                  <a:cubicBezTo>
+                    <a:pt x="34" y="7"/>
+                    <a:pt x="23" y="2"/>
+                    <a:pt x="15" y="5"/>
+                  </a:cubicBezTo>
+                  <a:cubicBezTo>
+                    <a:pt x="8" y="7"/>
+                    <a:pt x="5" y="14"/>
+                    <a:pt x="8" y="20"/>
+                  </a:cubicBezTo>
+                  <a:cubicBezTo>
+                    <a:pt x="9" y="19"/>
+                    <a:pt x="9" y="18"/>
+                    <a:pt x="10" y="18"/>
+                  </a:cubicBezTo>
+                  <a:cubicBezTo>
+                    <a:pt x="14" y="16"/>
+                    <a:pt x="18" y="17"/>
+                    <a:pt x="20" y="20"/>
+                  </a:cubicBezTo>
+                  <a:cubicBezTo>
+                    <a:pt x="22" y="23"/>
+                    <a:pt x="21" y="27"/>
+                    <a:pt x="19" y="29"/>
+                  </a:cubicBezTo>
+                  <a:cubicBezTo>
+                    <a:pt x="16" y="32"/>
+                    <a:pt x="11" y="31"/>
+                    <a:pt x="9" y="28"/>
+                  </a:cubicBezTo>
+                  <a:cubicBezTo>
+                    <a:pt x="5" y="22"/>
+                    <a:pt x="0" y="17"/>
+                    <a:pt x="5" y="9"/>
+                  </a:cubicBezTo>
+                  <a:cubicBezTo>
+                    <a:pt x="8" y="4"/>
+                    <a:pt x="16" y="0"/>
+                    <a:pt x="23" y="1"/>
+                  </a:cubicBezTo>
+                  <a:cubicBezTo>
+                    <a:pt x="31" y="3"/>
+                    <a:pt x="37" y="9"/>
+                    <a:pt x="38" y="16"/>
+                  </a:cubicBezTo>
+                  <a:cubicBezTo>
+                    <a:pt x="40" y="23"/>
+                    <a:pt x="39" y="26"/>
+                    <a:pt x="34" y="36"/>
+                  </a:cubicBezTo>
+                  <a:cubicBezTo>
+                    <a:pt x="47" y="28"/>
+                    <a:pt x="59" y="31"/>
+                    <a:pt x="71" y="40"/>
+                  </a:cubicBezTo>
+                  <a:cubicBezTo>
+                    <a:pt x="63" y="49"/>
+                    <a:pt x="51" y="51"/>
+                    <a:pt x="33" y="45"/>
+                  </a:cubicBezTo>
+                  <a:cubicBezTo>
+                    <a:pt x="38" y="51"/>
+                    <a:pt x="40" y="57"/>
+                    <a:pt x="38" y="64"/>
+                  </a:cubicBezTo>
+                  <a:cubicBezTo>
+                    <a:pt x="37" y="71"/>
+                    <a:pt x="33" y="76"/>
+                    <a:pt x="27" y="79"/>
+                  </a:cubicBezTo>
+                  <a:cubicBezTo>
+                    <a:pt x="20" y="81"/>
+                    <a:pt x="14" y="80"/>
+                    <a:pt x="8" y="76"/>
+                  </a:cubicBezTo>
+                  <a:cubicBezTo>
+                    <a:pt x="2" y="71"/>
+                    <a:pt x="1" y="64"/>
+                    <a:pt x="5" y="58"/>
+                  </a:cubicBezTo>
+                  <a:cubicBezTo>
+                    <a:pt x="6" y="57"/>
+                    <a:pt x="7" y="55"/>
+                    <a:pt x="8" y="54"/>
+                  </a:cubicBezTo>
+                  <a:cubicBezTo>
+                    <a:pt x="11" y="50"/>
+                    <a:pt x="15" y="49"/>
+                    <a:pt x="18" y="52"/>
+                  </a:cubicBezTo>
+                  <a:cubicBezTo>
+                    <a:pt x="22" y="54"/>
+                    <a:pt x="22" y="59"/>
+                    <a:pt x="20" y="62"/>
+                  </a:cubicBezTo>
+                  <a:cubicBezTo>
+                    <a:pt x="17" y="65"/>
+                    <a:pt x="13" y="65"/>
+                    <a:pt x="9" y="62"/>
+                  </a:cubicBezTo>
+                  <a:cubicBezTo>
+                    <a:pt x="9" y="62"/>
+                    <a:pt x="9" y="61"/>
+                    <a:pt x="8" y="60"/>
+                  </a:cubicBezTo>
+                  <a:cubicBezTo>
+                    <a:pt x="5" y="67"/>
+                    <a:pt x="7" y="73"/>
+                    <a:pt x="13" y="76"/>
+                  </a:cubicBezTo>
+                  <a:cubicBezTo>
+                    <a:pt x="23" y="80"/>
+                    <a:pt x="34" y="73"/>
+                    <a:pt x="36" y="63"/>
+                  </a:cubicBezTo>
+                  <a:cubicBezTo>
+                    <a:pt x="37" y="51"/>
+                    <a:pt x="32" y="44"/>
+                    <a:pt x="21" y="42"/>
+                  </a:cubicBezTo>
+                  <a:cubicBezTo>
+                    <a:pt x="19" y="42"/>
+                    <a:pt x="18" y="42"/>
+                    <a:pt x="17" y="41"/>
+                  </a:cubicBezTo>
+                  <a:cubicBezTo>
+                    <a:pt x="17" y="41"/>
+                    <a:pt x="17" y="40"/>
+                    <a:pt x="17" y="40"/>
+                  </a:cubicBezTo>
+                  <a:close/>
+                </a:path>
+              </a:pathLst>
+            </a:custGeom>
+            <a:grpFill/>
+            <a:ln>
+              <a:noFill/>
+            </a:ln>
+            <a:extLst>
+              <a:ext uri="{91240B29-F687-4F45-9708-019B960494DF}">
+                <a14:hiddenLine xmlns:a14="http://schemas.microsoft.com/office/drawing/2010/main" w="9525">
+                  <a:solidFill>
+                    <a:srgbClr val="000000"/>
+                  </a:solidFill>
+                  <a:round/>
+                </a14:hiddenLine>
+              </a:ext>
+            </a:extLst>
+          </p:spPr>
+          <p:txBody>
+            <a:bodyPr vert="horz" wrap="square" lIns="91440" tIns="45720" rIns="91440" bIns="45720" numCol="1" anchor="t" anchorCtr="0" compatLnSpc="1"/>
+            <a:lstStyle/>
+            <a:p>
+              <a:endParaRPr lang="zh-CN" altLang="en-US"/>
+            </a:p>
+          </p:txBody>
+        </p:sp>
+      </p:grpSp>
+      <p:sp>
+        <p:nvSpPr>
+          <p:cNvPr id="11" name="淘宝店chenying0907 22"/>
+          <p:cNvSpPr/>
+          <p:nvPr/>
+        </p:nvSpPr>
+        <p:spPr>
+          <a:xfrm>
+            <a:off x="1631224" y="2035098"/>
+            <a:ext cx="8159546" cy="2308324"/>
+          </a:xfrm>
+          <a:prstGeom prst="rect">
+            <a:avLst/>
+          </a:prstGeom>
+        </p:spPr>
+        <p:txBody>
+          <a:bodyPr wrap="square">
+            <a:spAutoFit/>
+          </a:bodyPr>
+          <a:lstStyle/>
+          <a:p>
+            <a:pPr algn="ctr"/>
+            <a:endParaRPr lang="en-US" altLang="zh-CN" sz="2400" dirty="0" smtClean="0">
+              <a:solidFill>
+                <a:srgbClr val="B8A78D"/>
+              </a:solidFill>
+              <a:latin typeface="微软雅黑 Light" panose="020B0502040204020203" pitchFamily="34" charset="-122"/>
+              <a:ea typeface="微软雅黑 Light" panose="020B0502040204020203" pitchFamily="34" charset="-122"/>
+            </a:endParaRPr>
+          </a:p>
+          <a:p>
+            <a:pPr algn="ctr"/>
+            <a:r>
+              <a:rPr lang="zh-CN" altLang="en-US" sz="2400" dirty="0">
+                <a:solidFill>
+                  <a:srgbClr val="B8A78D"/>
+                </a:solidFill>
+                <a:latin typeface="微软雅黑 Light" panose="020B0502040204020203" pitchFamily="34" charset="-122"/>
+                <a:ea typeface="微软雅黑 Light" panose="020B0502040204020203" pitchFamily="34" charset="-122"/>
+              </a:rPr>
+              <a:t>葛倍良</a:t>
+            </a:r>
+            <a:r>
+              <a:rPr lang="en-US" altLang="zh-CN" sz="2400" dirty="0">
+                <a:solidFill>
+                  <a:srgbClr val="B8A78D"/>
+                </a:solidFill>
+                <a:latin typeface="微软雅黑 Light" panose="020B0502040204020203" pitchFamily="34" charset="-122"/>
+                <a:ea typeface="微软雅黑 Light" panose="020B0502040204020203" pitchFamily="34" charset="-122"/>
+              </a:rPr>
+              <a:t>(90</a:t>
+            </a:r>
+            <a:r>
+              <a:rPr lang="en-US" altLang="zh-CN" sz="2400" dirty="0" smtClean="0">
+                <a:solidFill>
+                  <a:srgbClr val="B8A78D"/>
+                </a:solidFill>
+                <a:latin typeface="微软雅黑 Light" panose="020B0502040204020203" pitchFamily="34" charset="-122"/>
+                <a:ea typeface="微软雅黑 Light" panose="020B0502040204020203" pitchFamily="34" charset="-122"/>
+              </a:rPr>
+              <a:t>):</a:t>
+            </a:r>
+            <a:r>
+              <a:rPr lang="zh-CN" altLang="en-US" sz="2400" dirty="0" smtClean="0">
+                <a:solidFill>
+                  <a:srgbClr val="B8A78D"/>
+                </a:solidFill>
+                <a:latin typeface="微软雅黑 Light" panose="020B0502040204020203" pitchFamily="34" charset="-122"/>
+                <a:ea typeface="微软雅黑 Light" panose="020B0502040204020203" pitchFamily="34" charset="-122"/>
+              </a:rPr>
+              <a:t>图</a:t>
+            </a:r>
+            <a:r>
+              <a:rPr lang="zh-CN" altLang="en-US" sz="2400" dirty="0">
+                <a:solidFill>
+                  <a:srgbClr val="B8A78D"/>
+                </a:solidFill>
+                <a:latin typeface="微软雅黑 Light" panose="020B0502040204020203" pitchFamily="34" charset="-122"/>
+                <a:ea typeface="微软雅黑 Light" panose="020B0502040204020203" pitchFamily="34" charset="-122"/>
+              </a:rPr>
+              <a:t>的绘制</a:t>
+            </a:r>
+          </a:p>
+          <a:p>
+            <a:pPr algn="ctr"/>
+            <a:r>
+              <a:rPr lang="zh-CN" altLang="en-US" sz="2400" dirty="0">
+                <a:solidFill>
+                  <a:srgbClr val="B8A78D"/>
+                </a:solidFill>
+                <a:latin typeface="微软雅黑 Light" panose="020B0502040204020203" pitchFamily="34" charset="-122"/>
+                <a:ea typeface="微软雅黑 Light" panose="020B0502040204020203" pitchFamily="34" charset="-122"/>
+              </a:rPr>
+              <a:t>黄鹏羽</a:t>
+            </a:r>
+            <a:r>
+              <a:rPr lang="en-US" altLang="zh-CN" sz="2400" dirty="0">
+                <a:solidFill>
+                  <a:srgbClr val="B8A78D"/>
+                </a:solidFill>
+                <a:latin typeface="微软雅黑 Light" panose="020B0502040204020203" pitchFamily="34" charset="-122"/>
+                <a:ea typeface="微软雅黑 Light" panose="020B0502040204020203" pitchFamily="34" charset="-122"/>
+              </a:rPr>
+              <a:t>(85):</a:t>
+            </a:r>
+            <a:r>
+              <a:rPr lang="zh-CN" altLang="en-US" sz="2400" dirty="0">
+                <a:solidFill>
+                  <a:srgbClr val="B8A78D"/>
+                </a:solidFill>
+                <a:latin typeface="微软雅黑 Light" panose="020B0502040204020203" pitchFamily="34" charset="-122"/>
+                <a:ea typeface="微软雅黑 Light" panose="020B0502040204020203" pitchFamily="34" charset="-122"/>
+              </a:rPr>
+              <a:t>后期美工</a:t>
+            </a:r>
+          </a:p>
+          <a:p>
+            <a:pPr algn="ctr"/>
+            <a:r>
+              <a:rPr lang="zh-CN" altLang="en-US" sz="2400" dirty="0" smtClean="0">
+                <a:solidFill>
+                  <a:srgbClr val="B8A78D"/>
+                </a:solidFill>
+                <a:latin typeface="微软雅黑 Light" panose="020B0502040204020203" pitchFamily="34" charset="-122"/>
+                <a:ea typeface="微软雅黑 Light" panose="020B0502040204020203" pitchFamily="34" charset="-122"/>
+              </a:rPr>
+              <a:t>余倩</a:t>
+            </a:r>
+            <a:r>
+              <a:rPr lang="en-US" altLang="zh-CN" sz="2400" dirty="0" smtClean="0">
+                <a:solidFill>
+                  <a:srgbClr val="B8A78D"/>
+                </a:solidFill>
+                <a:latin typeface="微软雅黑 Light" panose="020B0502040204020203" pitchFamily="34" charset="-122"/>
+                <a:ea typeface="微软雅黑 Light" panose="020B0502040204020203" pitchFamily="34" charset="-122"/>
+              </a:rPr>
+              <a:t>(93</a:t>
+            </a:r>
+            <a:r>
+              <a:rPr lang="en-US" altLang="zh-CN" sz="2400" dirty="0">
+                <a:solidFill>
+                  <a:srgbClr val="B8A78D"/>
+                </a:solidFill>
+                <a:latin typeface="微软雅黑 Light" panose="020B0502040204020203" pitchFamily="34" charset="-122"/>
+                <a:ea typeface="微软雅黑 Light" panose="020B0502040204020203" pitchFamily="34" charset="-122"/>
+              </a:rPr>
+              <a:t>):PPT</a:t>
+            </a:r>
+            <a:r>
+              <a:rPr lang="zh-CN" altLang="en-US" sz="2400" dirty="0">
+                <a:solidFill>
+                  <a:srgbClr val="B8A78D"/>
+                </a:solidFill>
+                <a:latin typeface="微软雅黑 Light" panose="020B0502040204020203" pitchFamily="34" charset="-122"/>
+                <a:ea typeface="微软雅黑 Light" panose="020B0502040204020203" pitchFamily="34" charset="-122"/>
+              </a:rPr>
+              <a:t>制作及资料查询</a:t>
+            </a:r>
+          </a:p>
+          <a:p>
+            <a:pPr algn="ctr"/>
+            <a:r>
+              <a:rPr lang="zh-CN" altLang="en-US" sz="2400" dirty="0">
+                <a:solidFill>
+                  <a:srgbClr val="B8A78D"/>
+                </a:solidFill>
+                <a:latin typeface="微软雅黑 Light" panose="020B0502040204020203" pitchFamily="34" charset="-122"/>
+                <a:ea typeface="微软雅黑 Light" panose="020B0502040204020203" pitchFamily="34" charset="-122"/>
+              </a:rPr>
+              <a:t>周雨璐</a:t>
+            </a:r>
+            <a:r>
+              <a:rPr lang="en-US" altLang="zh-CN" sz="2400" dirty="0">
+                <a:solidFill>
+                  <a:srgbClr val="B8A78D"/>
+                </a:solidFill>
+                <a:latin typeface="微软雅黑 Light" panose="020B0502040204020203" pitchFamily="34" charset="-122"/>
+                <a:ea typeface="微软雅黑 Light" panose="020B0502040204020203" pitchFamily="34" charset="-122"/>
+              </a:rPr>
+              <a:t>(86):PPT</a:t>
+            </a:r>
+            <a:r>
+              <a:rPr lang="zh-CN" altLang="en-US" sz="2400" dirty="0">
+                <a:solidFill>
+                  <a:srgbClr val="B8A78D"/>
+                </a:solidFill>
+                <a:latin typeface="微软雅黑 Light" panose="020B0502040204020203" pitchFamily="34" charset="-122"/>
+                <a:ea typeface="微软雅黑 Light" panose="020B0502040204020203" pitchFamily="34" charset="-122"/>
+              </a:rPr>
+              <a:t>的检查与修改</a:t>
+            </a:r>
+          </a:p>
+          <a:p>
+            <a:pPr algn="ctr"/>
+            <a:r>
+              <a:rPr lang="zh-CN" altLang="en-US" sz="2400" dirty="0" smtClean="0">
+                <a:solidFill>
+                  <a:srgbClr val="B8A78D"/>
+                </a:solidFill>
+                <a:latin typeface="微软雅黑 Light" panose="020B0502040204020203" pitchFamily="34" charset="-122"/>
+                <a:ea typeface="微软雅黑 Light" panose="020B0502040204020203" pitchFamily="34" charset="-122"/>
+              </a:rPr>
+              <a:t>金浩楠</a:t>
+            </a:r>
+            <a:r>
+              <a:rPr lang="en-US" altLang="zh-CN" sz="2400" dirty="0" smtClean="0">
+                <a:solidFill>
+                  <a:srgbClr val="B8A78D"/>
+                </a:solidFill>
+                <a:latin typeface="微软雅黑 Light" panose="020B0502040204020203" pitchFamily="34" charset="-122"/>
+                <a:ea typeface="微软雅黑 Light" panose="020B0502040204020203" pitchFamily="34" charset="-122"/>
+              </a:rPr>
+              <a:t>(88</a:t>
+            </a:r>
+            <a:r>
+              <a:rPr lang="en-US" altLang="zh-CN" sz="2400" dirty="0">
+                <a:solidFill>
+                  <a:srgbClr val="B8A78D"/>
+                </a:solidFill>
+                <a:latin typeface="微软雅黑 Light" panose="020B0502040204020203" pitchFamily="34" charset="-122"/>
+                <a:ea typeface="微软雅黑 Light" panose="020B0502040204020203" pitchFamily="34" charset="-122"/>
+              </a:rPr>
+              <a:t>):</a:t>
+            </a:r>
+            <a:r>
+              <a:rPr lang="zh-CN" altLang="en-US" sz="2400" dirty="0">
+                <a:solidFill>
+                  <a:srgbClr val="B8A78D"/>
+                </a:solidFill>
+                <a:latin typeface="微软雅黑 Light" panose="020B0502040204020203" pitchFamily="34" charset="-122"/>
+                <a:ea typeface="微软雅黑 Light" panose="020B0502040204020203" pitchFamily="34" charset="-122"/>
+              </a:rPr>
+              <a:t>协助资料查询</a:t>
+            </a:r>
+          </a:p>
+        </p:txBody>
+      </p:sp>
+    </p:spTree>
+    <p:extLst>
+      <p:ext uri="{BB962C8B-B14F-4D97-AF65-F5344CB8AC3E}">
+        <p14:creationId xmlns:p14="http://schemas.microsoft.com/office/powerpoint/2010/main" val="725764672"/>
+      </p:ext>
+    </p:extLst>
+  </p:cSld>
+  <p:clrMapOvr>
+    <a:masterClrMapping/>
+  </p:clrMapOvr>
+  <p:transition>
+    <p:fade/>
+  </p:transition>
+  <p:timing>
+    <p:tnLst>
+      <p:par>
+        <p:cTn id="1" dur="indefinite" restart="never" nodeType="tmRoot">
+          <p:childTnLst>
+            <p:seq concurrent="1" nextAc="seek">
+              <p:cTn id="2" dur="indefinite" nodeType="mainSeq">
+                <p:childTnLst>
+                  <p:par>
+                    <p:cTn id="3" fill="hold">
+                      <p:stCondLst>
+                        <p:cond delay="indefinite"/>
+                        <p:cond evt="onBegin" delay="0">
+                          <p:tn val="2"/>
+                        </p:cond>
+                      </p:stCondLst>
+                      <p:childTnLst>
+                        <p:par>
+                          <p:cTn id="4" fill="hold">
+                            <p:stCondLst>
+                              <p:cond delay="0"/>
+                            </p:stCondLst>
+                            <p:childTnLst>
+                              <p:par>
+                                <p:cTn id="5" presetID="16" presetClass="entr" presetSubtype="37" fill="hold" nodeType="withEffect">
+                                  <p:stCondLst>
+                                    <p:cond delay="0"/>
+                                  </p:stCondLst>
+                                  <p:childTnLst>
+                                    <p:set>
+                                      <p:cBhvr>
+                                        <p:cTn id="6" dur="1" fill="hold">
+                                          <p:stCondLst>
+                                            <p:cond delay="0"/>
+                                          </p:stCondLst>
+                                        </p:cTn>
+                                        <p:tgtEl>
+                                          <p:spTgt spid="2"/>
+                                        </p:tgtEl>
+                                        <p:attrNameLst>
+                                          <p:attrName>style.visibility</p:attrName>
+                                        </p:attrNameLst>
+                                      </p:cBhvr>
+                                      <p:to>
+                                        <p:strVal val="visible"/>
+                                      </p:to>
+                                    </p:set>
+                                    <p:animEffect transition="in" filter="barn(outVertical)">
+                                      <p:cBhvr>
+                                        <p:cTn id="7" dur="500"/>
+                                        <p:tgtEl>
+                                          <p:spTgt spid="2"/>
+                                        </p:tgtEl>
+                                      </p:cBhvr>
+                                    </p:animEffect>
+                                  </p:childTnLst>
+                                </p:cTn>
+                              </p:par>
+                            </p:childTnLst>
+                          </p:cTn>
+                        </p:par>
+                        <p:par>
+                          <p:cTn id="8" fill="hold">
+                            <p:stCondLst>
+                              <p:cond delay="500"/>
+                            </p:stCondLst>
+                            <p:childTnLst>
+                              <p:par>
+                                <p:cTn id="9" presetID="22" presetClass="entr" presetSubtype="8" fill="hold" nodeType="afterEffect">
+                                  <p:stCondLst>
+                                    <p:cond delay="0"/>
+                                  </p:stCondLst>
+                                  <p:childTnLst>
+                                    <p:set>
+                                      <p:cBhvr>
+                                        <p:cTn id="10" dur="1" fill="hold">
+                                          <p:stCondLst>
+                                            <p:cond delay="0"/>
+                                          </p:stCondLst>
+                                        </p:cTn>
+                                        <p:tgtEl>
+                                          <p:spTgt spid="24"/>
+                                        </p:tgtEl>
+                                        <p:attrNameLst>
+                                          <p:attrName>style.visibility</p:attrName>
+                                        </p:attrNameLst>
+                                      </p:cBhvr>
+                                      <p:to>
+                                        <p:strVal val="visible"/>
+                                      </p:to>
+                                    </p:set>
+                                    <p:animEffect transition="in" filter="wipe(left)">
+                                      <p:cBhvr>
+                                        <p:cTn id="11" dur="500"/>
+                                        <p:tgtEl>
+                                          <p:spTgt spid="24"/>
+                                        </p:tgtEl>
+                                      </p:cBhvr>
+                                    </p:animEffect>
+                                  </p:childTnLst>
+                                </p:cTn>
+                              </p:par>
+                            </p:childTnLst>
+                          </p:cTn>
+                        </p:par>
+                      </p:childTnLst>
+                    </p:cTn>
+                  </p:par>
+                </p:childTnLst>
+              </p:cTn>
+              <p:prevCondLst>
+                <p:cond evt="onPrev" delay="0">
+                  <p:tgtEl>
+                    <p:sldTgt/>
+                  </p:tgtEl>
+                </p:cond>
+              </p:prevCondLst>
+              <p:nextCondLst>
+                <p:cond evt="onNext" delay="0">
+                  <p:tgtEl>
+                    <p:sldTgt/>
+                  </p:tgtEl>
+                </p:cond>
+              </p:nextCondLst>
+            </p:seq>
+          </p:childTnLst>
+        </p:cTn>
+      </p:par>
+    </p:tnLst>
+  </p:timing>
+</p:sld>
+</file>
+
+<file path=ppt/slides/slide21.xml><?xml version="1.0" encoding="utf-8"?>
 <p:sld xmlns:a="http://schemas.openxmlformats.org/drawingml/2006/main" xmlns:r="http://schemas.openxmlformats.org/officeDocument/2006/relationships" xmlns:p="http://schemas.openxmlformats.org/presentationml/2006/main">
   <p:cSld>
     <p:spTree>
@@ -30274,17 +31649,7 @@
                   <a:latin typeface="微软雅黑 Light" panose="020B0502040204020203" pitchFamily="34" charset="-122"/>
                   <a:ea typeface="微软雅黑 Light" panose="020B0502040204020203" pitchFamily="34" charset="-122"/>
                 </a:rPr>
-                <a:t>.UML</a:t>
-              </a:r>
-              <a:r>
-                <a:rPr lang="en-US" altLang="zh-CN" kern="0" dirty="0" smtClean="0">
-                  <a:solidFill>
-                    <a:srgbClr val="DDCCA4"/>
-                  </a:solidFill>
-                  <a:latin typeface="微软雅黑 Light" panose="020B0502040204020203" pitchFamily="34" charset="-122"/>
-                  <a:ea typeface="微软雅黑 Light" panose="020B0502040204020203" pitchFamily="34" charset="-122"/>
-                </a:rPr>
-                <a:t>2.0</a:t>
+                <a:t>.UML2.0</a:t>
               </a:r>
               <a:r>
                 <a:rPr lang="zh-CN" altLang="en-US" kern="0" dirty="0" smtClean="0">

--- a/0PPT/4+1view & UML（缺图版本）.pptx
+++ b/0PPT/4+1view & UML（缺图版本）.pptx
@@ -25,7 +25,7 @@
     <p:sldId id="283" r:id="rId16"/>
     <p:sldId id="284" r:id="rId17"/>
     <p:sldId id="285" r:id="rId18"/>
-    <p:sldId id="288" r:id="rId19"/>
+    <p:sldId id="289" r:id="rId19"/>
     <p:sldId id="286" r:id="rId20"/>
     <p:sldId id="287" r:id="rId21"/>
     <p:sldId id="267" r:id="rId22"/>
@@ -176,11 +176,11 @@
         </c:dLbls>
         <c:marker val="1"/>
         <c:smooth val="0"/>
-        <c:axId val="1912111024"/>
-        <c:axId val="1954314384"/>
+        <c:axId val="1303673936"/>
+        <c:axId val="1303655520"/>
       </c:lineChart>
       <c:catAx>
-        <c:axId val="1912111024"/>
+        <c:axId val="1303673936"/>
         <c:scaling>
           <c:orientation val="minMax"/>
         </c:scaling>
@@ -215,7 +215,7 @@
             <a:endParaRPr lang="zh-CN"/>
           </a:p>
         </c:txPr>
-        <c:crossAx val="1954314384"/>
+        <c:crossAx val="1303655520"/>
         <c:crosses val="autoZero"/>
         <c:auto val="1"/>
         <c:lblAlgn val="ctr"/>
@@ -223,7 +223,7 @@
         <c:noMultiLvlLbl val="0"/>
       </c:catAx>
       <c:valAx>
-        <c:axId val="1954314384"/>
+        <c:axId val="1303655520"/>
         <c:scaling>
           <c:orientation val="minMax"/>
         </c:scaling>
@@ -233,7 +233,7 @@
         <c:majorTickMark val="none"/>
         <c:minorTickMark val="none"/>
         <c:tickLblPos val="nextTo"/>
-        <c:crossAx val="1912111024"/>
+        <c:crossAx val="1303673936"/>
         <c:crosses val="autoZero"/>
         <c:crossBetween val="between"/>
       </c:valAx>
@@ -910,7 +910,7 @@
           <a:p>
             <a:fld id="{844F970D-C619-42FD-B107-1A288BF29E58}" type="datetimeFigureOut">
               <a:rPr lang="zh-CN" altLang="en-US" smtClean="0"/>
-              <a:t>2017/12/27</a:t>
+              <a:t>2018/1/1</a:t>
             </a:fld>
             <a:endParaRPr lang="zh-CN" altLang="en-US"/>
           </a:p>
@@ -2160,7 +2160,7 @@
           <a:p>
             <a:fld id="{B097957F-0D44-4A18-829C-722ED7420F7C}" type="datetimeFigureOut">
               <a:rPr lang="zh-CN" altLang="en-US" smtClean="0"/>
-              <a:t>2017/12/27</a:t>
+              <a:t>2018/1/1</a:t>
             </a:fld>
             <a:endParaRPr lang="zh-CN" altLang="en-US"/>
           </a:p>
@@ -9708,6 +9708,36 @@
           </p:txBody>
         </p:sp>
       </p:grpSp>
+      <p:pic>
+        <p:nvPicPr>
+          <p:cNvPr id="3" name="图片 2"/>
+          <p:cNvPicPr>
+            <a:picLocks noChangeAspect="1"/>
+          </p:cNvPicPr>
+          <p:nvPr/>
+        </p:nvPicPr>
+        <p:blipFill>
+          <a:blip r:embed="rId3">
+            <a:extLst>
+              <a:ext uri="{28A0092B-C50C-407E-A947-70E740481C1C}">
+                <a14:useLocalDpi xmlns:a14="http://schemas.microsoft.com/office/drawing/2010/main" val="0"/>
+              </a:ext>
+            </a:extLst>
+          </a:blip>
+          <a:stretch>
+            <a:fillRect/>
+          </a:stretch>
+        </p:blipFill>
+        <p:spPr>
+          <a:xfrm>
+            <a:off x="4565567" y="1347582"/>
+            <a:ext cx="6179941" cy="5298447"/>
+          </a:xfrm>
+          <a:prstGeom prst="rect">
+            <a:avLst/>
+          </a:prstGeom>
+        </p:spPr>
+      </p:pic>
     </p:spTree>
     <p:extLst>
       <p:ext uri="{BB962C8B-B14F-4D97-AF65-F5344CB8AC3E}">
@@ -10930,6 +10960,36 @@
           </a:p>
         </p:txBody>
       </p:sp>
+      <p:pic>
+        <p:nvPicPr>
+          <p:cNvPr id="3" name="图片 2"/>
+          <p:cNvPicPr>
+            <a:picLocks noChangeAspect="1"/>
+          </p:cNvPicPr>
+          <p:nvPr/>
+        </p:nvPicPr>
+        <p:blipFill>
+          <a:blip r:embed="rId3">
+            <a:extLst>
+              <a:ext uri="{28A0092B-C50C-407E-A947-70E740481C1C}">
+                <a14:useLocalDpi xmlns:a14="http://schemas.microsoft.com/office/drawing/2010/main" val="0"/>
+              </a:ext>
+            </a:extLst>
+          </a:blip>
+          <a:stretch>
+            <a:fillRect/>
+          </a:stretch>
+        </p:blipFill>
+        <p:spPr>
+          <a:xfrm>
+            <a:off x="4053778" y="1702840"/>
+            <a:ext cx="7005043" cy="4946638"/>
+          </a:xfrm>
+          <a:prstGeom prst="rect">
+            <a:avLst/>
+          </a:prstGeom>
+        </p:spPr>
+      </p:pic>
     </p:spTree>
     <p:extLst>
       <p:ext uri="{BB962C8B-B14F-4D97-AF65-F5344CB8AC3E}">
@@ -12170,27 +12230,7 @@
                 <a:latin typeface="微软雅黑 Light" panose="020B0502040204020203" pitchFamily="34" charset="-122"/>
                 <a:ea typeface="微软雅黑 Light" panose="020B0502040204020203" pitchFamily="34" charset="-122"/>
               </a:rPr>
-              <a:t>”</a:t>
-            </a:r>
-            <a:r>
-              <a:rPr lang="zh-CN" altLang="en-US" sz="2400" dirty="0" smtClean="0">
-                <a:solidFill>
-                  <a:srgbClr val="B8A78D"/>
-                </a:solidFill>
-                <a:latin typeface="微软雅黑 Light" panose="020B0502040204020203" pitchFamily="34" charset="-122"/>
-                <a:ea typeface="微软雅黑 Light" panose="020B0502040204020203" pitchFamily="34" charset="-122"/>
-              </a:rPr>
-              <a:t>视图</a:t>
-            </a:r>
-            <a:r>
-              <a:rPr lang="zh-CN" altLang="en-US" sz="2400" dirty="0" smtClean="0">
-                <a:solidFill>
-                  <a:srgbClr val="B8A78D"/>
-                </a:solidFill>
-                <a:latin typeface="微软雅黑 Light" panose="020B0502040204020203" pitchFamily="34" charset="-122"/>
-                <a:ea typeface="微软雅黑 Light" panose="020B0502040204020203" pitchFamily="34" charset="-122"/>
-              </a:rPr>
-              <a:t>模型分别是那几个视图</a:t>
+              <a:t>”视图模型分别是那几个视图</a:t>
             </a:r>
             <a:r>
               <a:rPr lang="en-US" altLang="zh-CN" sz="2400" dirty="0">
@@ -12267,7 +12307,7 @@
     </p:spTree>
     <p:extLst>
       <p:ext uri="{BB962C8B-B14F-4D97-AF65-F5344CB8AC3E}">
-        <p14:creationId xmlns:p14="http://schemas.microsoft.com/office/powerpoint/2010/main" val="1124993048"/>
+        <p14:creationId xmlns:p14="http://schemas.microsoft.com/office/powerpoint/2010/main" val="2051490968"/>
       </p:ext>
     </p:extLst>
   </p:cSld>
